--- a/mhw3.pptx
+++ b/mhw3.pptx
@@ -124,7 +124,7 @@
 <file path=ppt/revisionInfo.xml><?xml version="1.0" encoding="utf-8"?>
 <p1510:revInfo xmlns:a="http://schemas.openxmlformats.org/drawingml/2006/main" xmlns:r="http://schemas.openxmlformats.org/officeDocument/2006/relationships" xmlns:p1510="http://schemas.microsoft.com/office/powerpoint/2015/10/main">
   <p1510:revLst>
-    <p1510:client id="{7C0F3AB1-90D8-434D-8BF8-8809820F4C2F}" v="2" dt="2022-04-27T09:36:47.496"/>
+    <p1510:client id="{7C0F3AB1-90D8-434D-8BF8-8809820F4C2F}" v="4" dt="2022-04-28T09:39:27.273"/>
   </p1510:revLst>
 </p1510:revInfo>
 </file>
@@ -134,10 +134,25 @@
   <pc:docChgLst>
     <pc:chgData name="SIMONE MARAVIGNA" userId="3aa22662-e2ab-46fe-b1ae-4b1fd3f5141f" providerId="ADAL" clId="{7C0F3AB1-90D8-434D-8BF8-8809820F4C2F}"/>
     <pc:docChg chg="undo custSel addSld delSld modSld sldOrd">
-      <pc:chgData name="SIMONE MARAVIGNA" userId="3aa22662-e2ab-46fe-b1ae-4b1fd3f5141f" providerId="ADAL" clId="{7C0F3AB1-90D8-434D-8BF8-8809820F4C2F}" dt="2022-04-27T13:41:31.474" v="817" actId="1076"/>
+      <pc:chgData name="SIMONE MARAVIGNA" userId="3aa22662-e2ab-46fe-b1ae-4b1fd3f5141f" providerId="ADAL" clId="{7C0F3AB1-90D8-434D-8BF8-8809820F4C2F}" dt="2022-04-28T09:39:27.273" v="819" actId="20577"/>
       <pc:docMkLst>
         <pc:docMk/>
       </pc:docMkLst>
+      <pc:sldChg chg="modSp">
+        <pc:chgData name="SIMONE MARAVIGNA" userId="3aa22662-e2ab-46fe-b1ae-4b1fd3f5141f" providerId="ADAL" clId="{7C0F3AB1-90D8-434D-8BF8-8809820F4C2F}" dt="2022-04-28T09:39:27.273" v="819" actId="20577"/>
+        <pc:sldMkLst>
+          <pc:docMk/>
+          <pc:sldMk cId="2474004964" sldId="256"/>
+        </pc:sldMkLst>
+        <pc:spChg chg="mod">
+          <ac:chgData name="SIMONE MARAVIGNA" userId="3aa22662-e2ab-46fe-b1ae-4b1fd3f5141f" providerId="ADAL" clId="{7C0F3AB1-90D8-434D-8BF8-8809820F4C2F}" dt="2022-04-28T09:39:27.273" v="819" actId="20577"/>
+          <ac:spMkLst>
+            <pc:docMk/>
+            <pc:sldMk cId="2474004964" sldId="256"/>
+            <ac:spMk id="2" creationId="{5BF15E7B-CE22-43FE-848B-7E96012B82AE}"/>
+          </ac:spMkLst>
+        </pc:spChg>
+      </pc:sldChg>
       <pc:sldChg chg="modSp mod">
         <pc:chgData name="SIMONE MARAVIGNA" userId="3aa22662-e2ab-46fe-b1ae-4b1fd3f5141f" providerId="ADAL" clId="{7C0F3AB1-90D8-434D-8BF8-8809820F4C2F}" dt="2022-04-27T09:52:28.770" v="661" actId="20577"/>
         <pc:sldMkLst>
@@ -910,7 +925,7 @@
           <a:p>
             <a:fld id="{28E7F674-603F-41F3-934F-DEBA0B6F74B4}" type="datetimeFigureOut">
               <a:rPr lang="it-IT" smtClean="0"/>
-              <a:t>27/04/2022</a:t>
+              <a:t>28/04/2022</a:t>
             </a:fld>
             <a:endParaRPr lang="it-IT"/>
           </a:p>
@@ -1110,7 +1125,7 @@
           <a:p>
             <a:fld id="{28E7F674-603F-41F3-934F-DEBA0B6F74B4}" type="datetimeFigureOut">
               <a:rPr lang="it-IT" smtClean="0"/>
-              <a:t>27/04/2022</a:t>
+              <a:t>28/04/2022</a:t>
             </a:fld>
             <a:endParaRPr lang="it-IT"/>
           </a:p>
@@ -1320,7 +1335,7 @@
           <a:p>
             <a:fld id="{28E7F674-603F-41F3-934F-DEBA0B6F74B4}" type="datetimeFigureOut">
               <a:rPr lang="it-IT" smtClean="0"/>
-              <a:t>27/04/2022</a:t>
+              <a:t>28/04/2022</a:t>
             </a:fld>
             <a:endParaRPr lang="it-IT"/>
           </a:p>
@@ -1520,7 +1535,7 @@
           <a:p>
             <a:fld id="{28E7F674-603F-41F3-934F-DEBA0B6F74B4}" type="datetimeFigureOut">
               <a:rPr lang="it-IT" smtClean="0"/>
-              <a:t>27/04/2022</a:t>
+              <a:t>28/04/2022</a:t>
             </a:fld>
             <a:endParaRPr lang="it-IT"/>
           </a:p>
@@ -1796,7 +1811,7 @@
           <a:p>
             <a:fld id="{28E7F674-603F-41F3-934F-DEBA0B6F74B4}" type="datetimeFigureOut">
               <a:rPr lang="it-IT" smtClean="0"/>
-              <a:t>27/04/2022</a:t>
+              <a:t>28/04/2022</a:t>
             </a:fld>
             <a:endParaRPr lang="it-IT"/>
           </a:p>
@@ -2064,7 +2079,7 @@
           <a:p>
             <a:fld id="{28E7F674-603F-41F3-934F-DEBA0B6F74B4}" type="datetimeFigureOut">
               <a:rPr lang="it-IT" smtClean="0"/>
-              <a:t>27/04/2022</a:t>
+              <a:t>28/04/2022</a:t>
             </a:fld>
             <a:endParaRPr lang="it-IT"/>
           </a:p>
@@ -2479,7 +2494,7 @@
           <a:p>
             <a:fld id="{28E7F674-603F-41F3-934F-DEBA0B6F74B4}" type="datetimeFigureOut">
               <a:rPr lang="it-IT" smtClean="0"/>
-              <a:t>27/04/2022</a:t>
+              <a:t>28/04/2022</a:t>
             </a:fld>
             <a:endParaRPr lang="it-IT"/>
           </a:p>
@@ -2621,7 +2636,7 @@
           <a:p>
             <a:fld id="{28E7F674-603F-41F3-934F-DEBA0B6F74B4}" type="datetimeFigureOut">
               <a:rPr lang="it-IT" smtClean="0"/>
-              <a:t>27/04/2022</a:t>
+              <a:t>28/04/2022</a:t>
             </a:fld>
             <a:endParaRPr lang="it-IT"/>
           </a:p>
@@ -2734,7 +2749,7 @@
           <a:p>
             <a:fld id="{28E7F674-603F-41F3-934F-DEBA0B6F74B4}" type="datetimeFigureOut">
               <a:rPr lang="it-IT" smtClean="0"/>
-              <a:t>27/04/2022</a:t>
+              <a:t>28/04/2022</a:t>
             </a:fld>
             <a:endParaRPr lang="it-IT"/>
           </a:p>
@@ -3047,7 +3062,7 @@
           <a:p>
             <a:fld id="{28E7F674-603F-41F3-934F-DEBA0B6F74B4}" type="datetimeFigureOut">
               <a:rPr lang="it-IT" smtClean="0"/>
-              <a:t>27/04/2022</a:t>
+              <a:t>28/04/2022</a:t>
             </a:fld>
             <a:endParaRPr lang="it-IT"/>
           </a:p>
@@ -3336,7 +3351,7 @@
           <a:p>
             <a:fld id="{28E7F674-603F-41F3-934F-DEBA0B6F74B4}" type="datetimeFigureOut">
               <a:rPr lang="it-IT" smtClean="0"/>
-              <a:t>27/04/2022</a:t>
+              <a:t>28/04/2022</a:t>
             </a:fld>
             <a:endParaRPr lang="it-IT"/>
           </a:p>
@@ -3579,7 +3594,7 @@
           <a:p>
             <a:fld id="{28E7F674-603F-41F3-934F-DEBA0B6F74B4}" type="datetimeFigureOut">
               <a:rPr lang="it-IT" smtClean="0"/>
-              <a:t>27/04/2022</a:t>
+              <a:t>28/04/2022</a:t>
             </a:fld>
             <a:endParaRPr lang="it-IT"/>
           </a:p>
@@ -4564,12 +4579,12 @@
           <a:p>
             <a:pPr algn="l"/>
             <a:r>
-              <a:rPr lang="it-IT" sz="4800">
+              <a:rPr lang="it-IT" sz="4800" dirty="0">
                 <a:solidFill>
                   <a:srgbClr val="FFFFFF"/>
                 </a:solidFill>
               </a:rPr>
-              <a:t>MHW1</a:t>
+              <a:t>MHW3</a:t>
             </a:r>
           </a:p>
         </p:txBody>

--- a/mhw3.pptx
+++ b/mhw3.pptx
@@ -8,13 +8,15 @@
     <p:sldId id="256" r:id="rId2"/>
     <p:sldId id="257" r:id="rId3"/>
     <p:sldId id="258" r:id="rId4"/>
-    <p:sldId id="259" r:id="rId5"/>
-    <p:sldId id="268" r:id="rId6"/>
-    <p:sldId id="271" r:id="rId7"/>
+    <p:sldId id="271" r:id="rId5"/>
+    <p:sldId id="259" r:id="rId6"/>
+    <p:sldId id="268" r:id="rId7"/>
     <p:sldId id="267" r:id="rId8"/>
-    <p:sldId id="269" r:id="rId9"/>
-    <p:sldId id="270" r:id="rId10"/>
-    <p:sldId id="272" r:id="rId11"/>
+    <p:sldId id="274" r:id="rId9"/>
+    <p:sldId id="272" r:id="rId10"/>
+    <p:sldId id="273" r:id="rId11"/>
+    <p:sldId id="269" r:id="rId12"/>
+    <p:sldId id="270" r:id="rId13"/>
   </p:sldIdLst>
   <p:sldSz cx="12192000" cy="6858000"/>
   <p:notesSz cx="6858000" cy="9144000"/>
@@ -124,7 +126,7 @@
 <file path=ppt/revisionInfo.xml><?xml version="1.0" encoding="utf-8"?>
 <p1510:revInfo xmlns:a="http://schemas.openxmlformats.org/drawingml/2006/main" xmlns:r="http://schemas.openxmlformats.org/officeDocument/2006/relationships" xmlns:p1510="http://schemas.microsoft.com/office/powerpoint/2015/10/main">
   <p1510:revLst>
-    <p1510:client id="{7C0F3AB1-90D8-434D-8BF8-8809820F4C2F}" v="4" dt="2022-04-28T09:39:27.273"/>
+    <p1510:client id="{F5CA1AFE-C2CB-4D11-85D1-6B85B325152E}" v="1" dt="2022-04-29T15:34:53.899"/>
   </p1510:revLst>
 </p1510:revInfo>
 </file>
@@ -773,6 +775,170 @@
       </pc:sldChg>
     </pc:docChg>
   </pc:docChgLst>
+  <pc:docChgLst>
+    <pc:chgData name="SIMONE MARAVIGNA" userId="3aa22662-e2ab-46fe-b1ae-4b1fd3f5141f" providerId="ADAL" clId="{F5CA1AFE-C2CB-4D11-85D1-6B85B325152E}"/>
+    <pc:docChg chg="custSel addSld delSld modSld sldOrd">
+      <pc:chgData name="SIMONE MARAVIGNA" userId="3aa22662-e2ab-46fe-b1ae-4b1fd3f5141f" providerId="ADAL" clId="{F5CA1AFE-C2CB-4D11-85D1-6B85B325152E}" dt="2022-04-29T15:44:03.937" v="124" actId="20577"/>
+      <pc:docMkLst>
+        <pc:docMk/>
+      </pc:docMkLst>
+      <pc:sldChg chg="addSp modSp mod ord">
+        <pc:chgData name="SIMONE MARAVIGNA" userId="3aa22662-e2ab-46fe-b1ae-4b1fd3f5141f" providerId="ADAL" clId="{F5CA1AFE-C2CB-4D11-85D1-6B85B325152E}" dt="2022-04-29T15:35:29.025" v="38" actId="20577"/>
+        <pc:sldMkLst>
+          <pc:docMk/>
+          <pc:sldMk cId="4037497700" sldId="271"/>
+        </pc:sldMkLst>
+        <pc:spChg chg="mod">
+          <ac:chgData name="SIMONE MARAVIGNA" userId="3aa22662-e2ab-46fe-b1ae-4b1fd3f5141f" providerId="ADAL" clId="{F5CA1AFE-C2CB-4D11-85D1-6B85B325152E}" dt="2022-04-29T15:35:29.025" v="38" actId="20577"/>
+          <ac:spMkLst>
+            <pc:docMk/>
+            <pc:sldMk cId="4037497700" sldId="271"/>
+            <ac:spMk id="2" creationId="{6C0937FD-3195-4E6E-AA7F-8D790A0A8ABA}"/>
+          </ac:spMkLst>
+        </pc:spChg>
+        <pc:picChg chg="mod">
+          <ac:chgData name="SIMONE MARAVIGNA" userId="3aa22662-e2ab-46fe-b1ae-4b1fd3f5141f" providerId="ADAL" clId="{F5CA1AFE-C2CB-4D11-85D1-6B85B325152E}" dt="2022-04-29T15:34:48.187" v="13" actId="1076"/>
+          <ac:picMkLst>
+            <pc:docMk/>
+            <pc:sldMk cId="4037497700" sldId="271"/>
+            <ac:picMk id="5" creationId="{F8906657-2F36-40B4-9554-BA825F47F65C}"/>
+          </ac:picMkLst>
+        </pc:picChg>
+        <pc:picChg chg="mod">
+          <ac:chgData name="SIMONE MARAVIGNA" userId="3aa22662-e2ab-46fe-b1ae-4b1fd3f5141f" providerId="ADAL" clId="{F5CA1AFE-C2CB-4D11-85D1-6B85B325152E}" dt="2022-04-29T15:34:49.915" v="14" actId="1076"/>
+          <ac:picMkLst>
+            <pc:docMk/>
+            <pc:sldMk cId="4037497700" sldId="271"/>
+            <ac:picMk id="7" creationId="{B39B28E1-A7A3-4843-8CFB-FA288C4DA373}"/>
+          </ac:picMkLst>
+        </pc:picChg>
+        <pc:picChg chg="add mod">
+          <ac:chgData name="SIMONE MARAVIGNA" userId="3aa22662-e2ab-46fe-b1ae-4b1fd3f5141f" providerId="ADAL" clId="{F5CA1AFE-C2CB-4D11-85D1-6B85B325152E}" dt="2022-04-29T15:34:59.901" v="18" actId="1076"/>
+          <ac:picMkLst>
+            <pc:docMk/>
+            <pc:sldMk cId="4037497700" sldId="271"/>
+            <ac:picMk id="13" creationId="{FD917E27-C1FF-4A47-85E8-8CD9C6D89C7A}"/>
+          </ac:picMkLst>
+        </pc:picChg>
+      </pc:sldChg>
+      <pc:sldChg chg="modSp mod ord">
+        <pc:chgData name="SIMONE MARAVIGNA" userId="3aa22662-e2ab-46fe-b1ae-4b1fd3f5141f" providerId="ADAL" clId="{F5CA1AFE-C2CB-4D11-85D1-6B85B325152E}" dt="2022-04-29T15:41:10.930" v="88" actId="20577"/>
+        <pc:sldMkLst>
+          <pc:docMk/>
+          <pc:sldMk cId="2298361762" sldId="272"/>
+        </pc:sldMkLst>
+        <pc:spChg chg="mod">
+          <ac:chgData name="SIMONE MARAVIGNA" userId="3aa22662-e2ab-46fe-b1ae-4b1fd3f5141f" providerId="ADAL" clId="{F5CA1AFE-C2CB-4D11-85D1-6B85B325152E}" dt="2022-04-29T15:41:10.930" v="88" actId="20577"/>
+          <ac:spMkLst>
+            <pc:docMk/>
+            <pc:sldMk cId="2298361762" sldId="272"/>
+            <ac:spMk id="2" creationId="{6C0937FD-3195-4E6E-AA7F-8D790A0A8ABA}"/>
+          </ac:spMkLst>
+        </pc:spChg>
+      </pc:sldChg>
+      <pc:sldChg chg="addSp delSp modSp add del mod">
+        <pc:chgData name="SIMONE MARAVIGNA" userId="3aa22662-e2ab-46fe-b1ae-4b1fd3f5141f" providerId="ADAL" clId="{F5CA1AFE-C2CB-4D11-85D1-6B85B325152E}" dt="2022-04-29T15:35:03.991" v="19" actId="47"/>
+        <pc:sldMkLst>
+          <pc:docMk/>
+          <pc:sldMk cId="707164494" sldId="273"/>
+        </pc:sldMkLst>
+        <pc:picChg chg="add del mod">
+          <ac:chgData name="SIMONE MARAVIGNA" userId="3aa22662-e2ab-46fe-b1ae-4b1fd3f5141f" providerId="ADAL" clId="{F5CA1AFE-C2CB-4D11-85D1-6B85B325152E}" dt="2022-04-29T15:34:52.574" v="15" actId="21"/>
+          <ac:picMkLst>
+            <pc:docMk/>
+            <pc:sldMk cId="707164494" sldId="273"/>
+            <ac:picMk id="4" creationId="{E4AE2528-6CA7-4943-ACAA-B9C73BF82A78}"/>
+          </ac:picMkLst>
+        </pc:picChg>
+        <pc:picChg chg="del">
+          <ac:chgData name="SIMONE MARAVIGNA" userId="3aa22662-e2ab-46fe-b1ae-4b1fd3f5141f" providerId="ADAL" clId="{F5CA1AFE-C2CB-4D11-85D1-6B85B325152E}" dt="2022-04-29T15:34:27.431" v="6" actId="478"/>
+          <ac:picMkLst>
+            <pc:docMk/>
+            <pc:sldMk cId="707164494" sldId="273"/>
+            <ac:picMk id="5" creationId="{F8906657-2F36-40B4-9554-BA825F47F65C}"/>
+          </ac:picMkLst>
+        </pc:picChg>
+        <pc:picChg chg="del">
+          <ac:chgData name="SIMONE MARAVIGNA" userId="3aa22662-e2ab-46fe-b1ae-4b1fd3f5141f" providerId="ADAL" clId="{F5CA1AFE-C2CB-4D11-85D1-6B85B325152E}" dt="2022-04-29T15:34:27.005" v="5" actId="478"/>
+          <ac:picMkLst>
+            <pc:docMk/>
+            <pc:sldMk cId="707164494" sldId="273"/>
+            <ac:picMk id="7" creationId="{B39B28E1-A7A3-4843-8CFB-FA288C4DA373}"/>
+          </ac:picMkLst>
+        </pc:picChg>
+      </pc:sldChg>
+      <pc:sldChg chg="addSp delSp modSp add mod">
+        <pc:chgData name="SIMONE MARAVIGNA" userId="3aa22662-e2ab-46fe-b1ae-4b1fd3f5141f" providerId="ADAL" clId="{F5CA1AFE-C2CB-4D11-85D1-6B85B325152E}" dt="2022-04-29T15:40:46.918" v="68" actId="20577"/>
+        <pc:sldMkLst>
+          <pc:docMk/>
+          <pc:sldMk cId="3644731600" sldId="273"/>
+        </pc:sldMkLst>
+        <pc:spChg chg="mod">
+          <ac:chgData name="SIMONE MARAVIGNA" userId="3aa22662-e2ab-46fe-b1ae-4b1fd3f5141f" providerId="ADAL" clId="{F5CA1AFE-C2CB-4D11-85D1-6B85B325152E}" dt="2022-04-29T15:40:46.918" v="68" actId="20577"/>
+          <ac:spMkLst>
+            <pc:docMk/>
+            <pc:sldMk cId="3644731600" sldId="273"/>
+            <ac:spMk id="2" creationId="{6C0937FD-3195-4E6E-AA7F-8D790A0A8ABA}"/>
+          </ac:spMkLst>
+        </pc:spChg>
+        <pc:picChg chg="del">
+          <ac:chgData name="SIMONE MARAVIGNA" userId="3aa22662-e2ab-46fe-b1ae-4b1fd3f5141f" providerId="ADAL" clId="{F5CA1AFE-C2CB-4D11-85D1-6B85B325152E}" dt="2022-04-29T15:40:09.346" v="40" actId="478"/>
+          <ac:picMkLst>
+            <pc:docMk/>
+            <pc:sldMk cId="3644731600" sldId="273"/>
+            <ac:picMk id="4" creationId="{0DA68EEA-0EE3-407E-92B1-2336E59EC55F}"/>
+          </ac:picMkLst>
+        </pc:picChg>
+        <pc:picChg chg="add del mod">
+          <ac:chgData name="SIMONE MARAVIGNA" userId="3aa22662-e2ab-46fe-b1ae-4b1fd3f5141f" providerId="ADAL" clId="{F5CA1AFE-C2CB-4D11-85D1-6B85B325152E}" dt="2022-04-29T15:40:16.634" v="45" actId="478"/>
+          <ac:picMkLst>
+            <pc:docMk/>
+            <pc:sldMk cId="3644731600" sldId="273"/>
+            <ac:picMk id="5" creationId="{938FE6D4-17ED-4074-9834-CC8521DE2130}"/>
+          </ac:picMkLst>
+        </pc:picChg>
+        <pc:picChg chg="add mod">
+          <ac:chgData name="SIMONE MARAVIGNA" userId="3aa22662-e2ab-46fe-b1ae-4b1fd3f5141f" providerId="ADAL" clId="{F5CA1AFE-C2CB-4D11-85D1-6B85B325152E}" dt="2022-04-29T15:40:41.389" v="50" actId="1076"/>
+          <ac:picMkLst>
+            <pc:docMk/>
+            <pc:sldMk cId="3644731600" sldId="273"/>
+            <ac:picMk id="7" creationId="{72442A71-3AD3-4E2D-A8CB-D3DC7BB8EFDC}"/>
+          </ac:picMkLst>
+        </pc:picChg>
+      </pc:sldChg>
+      <pc:sldChg chg="addSp delSp modSp add mod">
+        <pc:chgData name="SIMONE MARAVIGNA" userId="3aa22662-e2ab-46fe-b1ae-4b1fd3f5141f" providerId="ADAL" clId="{F5CA1AFE-C2CB-4D11-85D1-6B85B325152E}" dt="2022-04-29T15:44:03.937" v="124" actId="20577"/>
+        <pc:sldMkLst>
+          <pc:docMk/>
+          <pc:sldMk cId="3930043897" sldId="274"/>
+        </pc:sldMkLst>
+        <pc:spChg chg="mod">
+          <ac:chgData name="SIMONE MARAVIGNA" userId="3aa22662-e2ab-46fe-b1ae-4b1fd3f5141f" providerId="ADAL" clId="{F5CA1AFE-C2CB-4D11-85D1-6B85B325152E}" dt="2022-04-29T15:44:03.937" v="124" actId="20577"/>
+          <ac:spMkLst>
+            <pc:docMk/>
+            <pc:sldMk cId="3930043897" sldId="274"/>
+            <ac:spMk id="2" creationId="{793E3554-1D0A-4FE7-968B-21CF8C909EBD}"/>
+          </ac:spMkLst>
+        </pc:spChg>
+        <pc:picChg chg="del">
+          <ac:chgData name="SIMONE MARAVIGNA" userId="3aa22662-e2ab-46fe-b1ae-4b1fd3f5141f" providerId="ADAL" clId="{F5CA1AFE-C2CB-4D11-85D1-6B85B325152E}" dt="2022-04-29T15:41:19.068" v="90" actId="478"/>
+          <ac:picMkLst>
+            <pc:docMk/>
+            <pc:sldMk cId="3930043897" sldId="274"/>
+            <ac:picMk id="4" creationId="{4B00D4F6-EB80-466A-8F2E-996AEF53BFFB}"/>
+          </ac:picMkLst>
+        </pc:picChg>
+        <pc:picChg chg="add mod">
+          <ac:chgData name="SIMONE MARAVIGNA" userId="3aa22662-e2ab-46fe-b1ae-4b1fd3f5141f" providerId="ADAL" clId="{F5CA1AFE-C2CB-4D11-85D1-6B85B325152E}" dt="2022-04-29T15:43:46.692" v="94" actId="1076"/>
+          <ac:picMkLst>
+            <pc:docMk/>
+            <pc:sldMk cId="3930043897" sldId="274"/>
+            <ac:picMk id="5" creationId="{4A7DC83A-511A-4F93-A6F2-ED07B24E1388}"/>
+          </ac:picMkLst>
+        </pc:picChg>
+      </pc:sldChg>
+    </pc:docChg>
+  </pc:docChgLst>
 </pc:chgInfo>
 </file>
 
@@ -925,7 +1091,7 @@
           <a:p>
             <a:fld id="{28E7F674-603F-41F3-934F-DEBA0B6F74B4}" type="datetimeFigureOut">
               <a:rPr lang="it-IT" smtClean="0"/>
-              <a:t>28/04/2022</a:t>
+              <a:t>29/04/2022</a:t>
             </a:fld>
             <a:endParaRPr lang="it-IT"/>
           </a:p>
@@ -1125,7 +1291,7 @@
           <a:p>
             <a:fld id="{28E7F674-603F-41F3-934F-DEBA0B6F74B4}" type="datetimeFigureOut">
               <a:rPr lang="it-IT" smtClean="0"/>
-              <a:t>28/04/2022</a:t>
+              <a:t>29/04/2022</a:t>
             </a:fld>
             <a:endParaRPr lang="it-IT"/>
           </a:p>
@@ -1335,7 +1501,7 @@
           <a:p>
             <a:fld id="{28E7F674-603F-41F3-934F-DEBA0B6F74B4}" type="datetimeFigureOut">
               <a:rPr lang="it-IT" smtClean="0"/>
-              <a:t>28/04/2022</a:t>
+              <a:t>29/04/2022</a:t>
             </a:fld>
             <a:endParaRPr lang="it-IT"/>
           </a:p>
@@ -1535,7 +1701,7 @@
           <a:p>
             <a:fld id="{28E7F674-603F-41F3-934F-DEBA0B6F74B4}" type="datetimeFigureOut">
               <a:rPr lang="it-IT" smtClean="0"/>
-              <a:t>28/04/2022</a:t>
+              <a:t>29/04/2022</a:t>
             </a:fld>
             <a:endParaRPr lang="it-IT"/>
           </a:p>
@@ -1811,7 +1977,7 @@
           <a:p>
             <a:fld id="{28E7F674-603F-41F3-934F-DEBA0B6F74B4}" type="datetimeFigureOut">
               <a:rPr lang="it-IT" smtClean="0"/>
-              <a:t>28/04/2022</a:t>
+              <a:t>29/04/2022</a:t>
             </a:fld>
             <a:endParaRPr lang="it-IT"/>
           </a:p>
@@ -2079,7 +2245,7 @@
           <a:p>
             <a:fld id="{28E7F674-603F-41F3-934F-DEBA0B6F74B4}" type="datetimeFigureOut">
               <a:rPr lang="it-IT" smtClean="0"/>
-              <a:t>28/04/2022</a:t>
+              <a:t>29/04/2022</a:t>
             </a:fld>
             <a:endParaRPr lang="it-IT"/>
           </a:p>
@@ -2494,7 +2660,7 @@
           <a:p>
             <a:fld id="{28E7F674-603F-41F3-934F-DEBA0B6F74B4}" type="datetimeFigureOut">
               <a:rPr lang="it-IT" smtClean="0"/>
-              <a:t>28/04/2022</a:t>
+              <a:t>29/04/2022</a:t>
             </a:fld>
             <a:endParaRPr lang="it-IT"/>
           </a:p>
@@ -2636,7 +2802,7 @@
           <a:p>
             <a:fld id="{28E7F674-603F-41F3-934F-DEBA0B6F74B4}" type="datetimeFigureOut">
               <a:rPr lang="it-IT" smtClean="0"/>
-              <a:t>28/04/2022</a:t>
+              <a:t>29/04/2022</a:t>
             </a:fld>
             <a:endParaRPr lang="it-IT"/>
           </a:p>
@@ -2749,7 +2915,7 @@
           <a:p>
             <a:fld id="{28E7F674-603F-41F3-934F-DEBA0B6F74B4}" type="datetimeFigureOut">
               <a:rPr lang="it-IT" smtClean="0"/>
-              <a:t>28/04/2022</a:t>
+              <a:t>29/04/2022</a:t>
             </a:fld>
             <a:endParaRPr lang="it-IT"/>
           </a:p>
@@ -3062,7 +3228,7 @@
           <a:p>
             <a:fld id="{28E7F674-603F-41F3-934F-DEBA0B6F74B4}" type="datetimeFigureOut">
               <a:rPr lang="it-IT" smtClean="0"/>
-              <a:t>28/04/2022</a:t>
+              <a:t>29/04/2022</a:t>
             </a:fld>
             <a:endParaRPr lang="it-IT"/>
           </a:p>
@@ -3351,7 +3517,7 @@
           <a:p>
             <a:fld id="{28E7F674-603F-41F3-934F-DEBA0B6F74B4}" type="datetimeFigureOut">
               <a:rPr lang="it-IT" smtClean="0"/>
-              <a:t>28/04/2022</a:t>
+              <a:t>29/04/2022</a:t>
             </a:fld>
             <a:endParaRPr lang="it-IT"/>
           </a:p>
@@ -3594,7 +3760,7 @@
           <a:p>
             <a:fld id="{28E7F674-603F-41F3-934F-DEBA0B6F74B4}" type="datetimeFigureOut">
               <a:rPr lang="it-IT" smtClean="0"/>
-              <a:t>28/04/2022</a:t>
+              <a:t>29/04/2022</a:t>
             </a:fld>
             <a:endParaRPr lang="it-IT"/>
           </a:p>
@@ -5704,17 +5870,17 @@
                   <a:srgbClr val="FFFFFF"/>
                 </a:solidFill>
               </a:rPr>
-              <a:t>documentazione</a:t>
+              <a:t>JSON di risposta</a:t>
             </a:r>
           </a:p>
         </p:txBody>
       </p:sp>
       <p:pic>
         <p:nvPicPr>
-          <p:cNvPr id="4" name="Immagine 3">
-            <a:extLst>
-              <a:ext uri="{FF2B5EF4-FFF2-40B4-BE49-F238E27FC236}">
-                <a16:creationId xmlns:a16="http://schemas.microsoft.com/office/drawing/2014/main" id="{0DA68EEA-0EE3-407E-92B1-2336E59EC55F}"/>
+          <p:cNvPr id="7" name="Immagine 6">
+            <a:extLst>
+              <a:ext uri="{FF2B5EF4-FFF2-40B4-BE49-F238E27FC236}">
+                <a16:creationId xmlns:a16="http://schemas.microsoft.com/office/drawing/2014/main" id="{72442A71-3AD3-4E2D-A8CB-D3DC7BB8EFDC}"/>
               </a:ext>
             </a:extLst>
           </p:cNvPr>
@@ -5731,8 +5897,8 @@
         </p:blipFill>
         <p:spPr>
           <a:xfrm>
-            <a:off x="5032681" y="260763"/>
-            <a:ext cx="6242973" cy="6336474"/>
+            <a:off x="4447180" y="511388"/>
+            <a:ext cx="7413975" cy="5904410"/>
           </a:xfrm>
           <a:prstGeom prst="rect">
             <a:avLst/>
@@ -5742,7 +5908,7 @@
     </p:spTree>
     <p:extLst>
       <p:ext uri="{BB962C8B-B14F-4D97-AF65-F5344CB8AC3E}">
-        <p14:creationId xmlns:p14="http://schemas.microsoft.com/office/powerpoint/2010/main" val="2298361762"/>
+        <p14:creationId xmlns:p14="http://schemas.microsoft.com/office/powerpoint/2010/main" val="3644731600"/>
       </p:ext>
     </p:extLst>
   </p:cSld>
@@ -5752,7 +5918,7 @@
 </p:sld>
 </file>
 
-<file path=ppt/slides/slide2.xml><?xml version="1.0" encoding="utf-8"?>
+<file path=ppt/slides/slide11.xml><?xml version="1.0" encoding="utf-8"?>
 <p:sld xmlns:a="http://schemas.openxmlformats.org/drawingml/2006/main" xmlns:r="http://schemas.openxmlformats.org/officeDocument/2006/relationships" xmlns:p="http://schemas.openxmlformats.org/presentationml/2006/main">
   <p:cSld>
     <p:bg>
@@ -6404,7 +6570,7 @@
           <p:cNvPr id="2" name="Title 1">
             <a:extLst>
               <a:ext uri="{FF2B5EF4-FFF2-40B4-BE49-F238E27FC236}">
-                <a16:creationId xmlns:a16="http://schemas.microsoft.com/office/drawing/2014/main" id="{5D199468-442B-44D8-8FB1-9E9E01386302}"/>
+                <a16:creationId xmlns:a16="http://schemas.microsoft.com/office/drawing/2014/main" id="{793E3554-1D0A-4FE7-968B-21CF8C909EBD}"/>
               </a:ext>
             </a:extLst>
           </p:cNvPr>
@@ -6417,8 +6583,8 @@
         </p:nvSpPr>
         <p:spPr>
           <a:xfrm>
-            <a:off x="466722" y="586855"/>
-            <a:ext cx="3201366" cy="3387497"/>
+            <a:off x="272955" y="586855"/>
+            <a:ext cx="3395133" cy="3387497"/>
           </a:xfrm>
         </p:spPr>
         <p:txBody>
@@ -6429,103 +6595,80 @@
           <a:p>
             <a:pPr algn="r"/>
             <a:r>
-              <a:rPr lang="it-IT" sz="4000">
+              <a:rPr lang="it-IT" sz="4000" dirty="0">
                 <a:solidFill>
                   <a:srgbClr val="FFFFFF"/>
                 </a:solidFill>
               </a:rPr>
-              <a:t>Descrizione del progetto</a:t>
+              <a:t>API 2:</a:t>
             </a:r>
-          </a:p>
-        </p:txBody>
-      </p:sp>
-      <p:sp>
-        <p:nvSpPr>
-          <p:cNvPr id="3" name="Content Placeholder 2">
-            <a:extLst>
-              <a:ext uri="{FF2B5EF4-FFF2-40B4-BE49-F238E27FC236}">
-                <a16:creationId xmlns:a16="http://schemas.microsoft.com/office/drawing/2014/main" id="{A05D1882-65DE-484D-B983-8F24ECBDF31D}"/>
-              </a:ext>
-            </a:extLst>
-          </p:cNvPr>
-          <p:cNvSpPr>
-            <a:spLocks noGrp="1"/>
-          </p:cNvSpPr>
-          <p:nvPr>
-            <p:ph idx="1"/>
-          </p:nvPr>
-        </p:nvSpPr>
+            <a:br>
+              <a:rPr lang="it-IT" sz="4000" dirty="0">
+                <a:solidFill>
+                  <a:srgbClr val="FFFFFF"/>
+                </a:solidFill>
+              </a:rPr>
+            </a:br>
+            <a:r>
+              <a:rPr lang="it-IT" sz="4000" dirty="0">
+                <a:solidFill>
+                  <a:srgbClr val="FFFFFF"/>
+                </a:solidFill>
+              </a:rPr>
+              <a:t>codice</a:t>
+            </a:r>
+            <a:br>
+              <a:rPr lang="it-IT" sz="4000" dirty="0">
+                <a:solidFill>
+                  <a:srgbClr val="FFFFFF"/>
+                </a:solidFill>
+              </a:rPr>
+            </a:br>
+            <a:r>
+              <a:rPr lang="it-IT" sz="4000" dirty="0">
+                <a:solidFill>
+                  <a:srgbClr val="FFFFFF"/>
+                </a:solidFill>
+              </a:rPr>
+              <a:t>(1/2)</a:t>
+            </a:r>
+          </a:p>
+        </p:txBody>
+      </p:sp>
+      <p:pic>
+        <p:nvPicPr>
+          <p:cNvPr id="5" name="Immagine 4">
+            <a:extLst>
+              <a:ext uri="{FF2B5EF4-FFF2-40B4-BE49-F238E27FC236}">
+                <a16:creationId xmlns:a16="http://schemas.microsoft.com/office/drawing/2014/main" id="{03BEAD18-8A6B-461D-95A2-9DAC132377BE}"/>
+              </a:ext>
+            </a:extLst>
+          </p:cNvPr>
+          <p:cNvPicPr>
+            <a:picLocks noChangeAspect="1"/>
+          </p:cNvPicPr>
+          <p:nvPr/>
+        </p:nvPicPr>
+        <p:blipFill>
+          <a:blip r:embed="rId2"/>
+          <a:stretch>
+            <a:fillRect/>
+          </a:stretch>
+        </p:blipFill>
         <p:spPr>
           <a:xfrm>
-            <a:off x="4810259" y="649480"/>
-            <a:ext cx="6555347" cy="5546047"/>
+            <a:off x="4307548" y="1309050"/>
+            <a:ext cx="7693239" cy="4297956"/>
           </a:xfrm>
+          <a:prstGeom prst="rect">
+            <a:avLst/>
+          </a:prstGeom>
         </p:spPr>
-        <p:txBody>
-          <a:bodyPr anchor="ctr">
-            <a:normAutofit/>
-          </a:bodyPr>
-          <a:lstStyle/>
-          <a:p>
-            <a:r>
-              <a:rPr lang="it-IT" sz="2000" dirty="0"/>
-              <a:t>Integrazione di due API REST </a:t>
-            </a:r>
-            <a:r>
-              <a:rPr lang="it-IT" sz="2000"/>
-              <a:t>nel mhw2, </a:t>
-            </a:r>
-            <a:r>
-              <a:rPr lang="it-IT" sz="2000" dirty="0"/>
-              <a:t>una senza autenticazione, </a:t>
-            </a:r>
-            <a:r>
-              <a:rPr lang="it-IT" sz="2000" dirty="0">
-                <a:hlinkClick r:id="rId2"/>
-              </a:rPr>
-              <a:t>MCU countdown</a:t>
-            </a:r>
-            <a:r>
-              <a:rPr lang="it-IT" sz="2000" dirty="0"/>
-              <a:t>, e una con autenticazione </a:t>
-            </a:r>
-            <a:r>
-              <a:rPr lang="it-IT" sz="2000" dirty="0" err="1"/>
-              <a:t>OAuth</a:t>
-            </a:r>
-            <a:r>
-              <a:rPr lang="it-IT" sz="2000" dirty="0"/>
-              <a:t> 2.0, </a:t>
-            </a:r>
-            <a:r>
-              <a:rPr lang="it-IT" sz="2000" dirty="0">
-                <a:hlinkClick r:id="rId3"/>
-              </a:rPr>
-              <a:t>Spotify</a:t>
-            </a:r>
-            <a:r>
-              <a:rPr lang="it-IT" sz="2000" dirty="0"/>
-              <a:t>.</a:t>
-            </a:r>
-          </a:p>
-          <a:p>
-            <a:r>
-              <a:rPr lang="it-IT" sz="2000" dirty="0"/>
-              <a:t>La prima API mostra il prossimo film in uscita al cinema della Marvel, indicando quanti giorni mancano e la locandina del film, e un bottone per passare al film successivo.</a:t>
-            </a:r>
-          </a:p>
-          <a:p>
-            <a:r>
-              <a:rPr lang="it-IT" sz="2000" dirty="0"/>
-              <a:t>La seconda API mostra 5 canzoni casuali prese dal catalogo Spotify, inerenti a personaggi casuali presenti nella pagina, con possibilità di riprodurre la canzone.</a:t>
-            </a:r>
-          </a:p>
-        </p:txBody>
-      </p:sp>
+      </p:pic>
     </p:spTree>
     <p:extLst>
       <p:ext uri="{BB962C8B-B14F-4D97-AF65-F5344CB8AC3E}">
-        <p14:creationId xmlns:p14="http://schemas.microsoft.com/office/powerpoint/2010/main" val="2693910554"/>
+        <p14:creationId xmlns:p14="http://schemas.microsoft.com/office/powerpoint/2010/main" val="2557014366"/>
       </p:ext>
     </p:extLst>
   </p:cSld>
@@ -6535,7 +6678,7 @@
 </p:sld>
 </file>
 
-<file path=ppt/slides/slide3.xml><?xml version="1.0" encoding="utf-8"?>
+<file path=ppt/slides/slide12.xml><?xml version="1.0" encoding="utf-8"?>
 <p:sld xmlns:a="http://schemas.openxmlformats.org/drawingml/2006/main" xmlns:r="http://schemas.openxmlformats.org/officeDocument/2006/relationships" xmlns:p="http://schemas.openxmlformats.org/presentationml/2006/main">
   <p:cSld>
     <p:bg>
@@ -7200,8 +7343,8 @@
         </p:nvSpPr>
         <p:spPr>
           <a:xfrm>
-            <a:off x="466722" y="586855"/>
-            <a:ext cx="3201366" cy="3387497"/>
+            <a:off x="272955" y="586855"/>
+            <a:ext cx="3395133" cy="3387497"/>
           </a:xfrm>
         </p:spPr>
         <p:txBody>
@@ -7217,7 +7360,7 @@
                   <a:srgbClr val="FFFFFF"/>
                 </a:solidFill>
               </a:rPr>
-              <a:t>API 1:</a:t>
+              <a:t>API 2:</a:t>
             </a:r>
             <a:br>
               <a:rPr lang="it-IT" sz="4000" dirty="0">
@@ -7232,7 +7375,22 @@
                   <a:srgbClr val="FFFFFF"/>
                 </a:solidFill>
               </a:rPr>
-              <a:t>MCU Countdown</a:t>
+              <a:t>codice</a:t>
+            </a:r>
+            <a:br>
+              <a:rPr lang="it-IT" sz="4000" dirty="0">
+                <a:solidFill>
+                  <a:srgbClr val="FFFFFF"/>
+                </a:solidFill>
+              </a:rPr>
+            </a:br>
+            <a:r>
+              <a:rPr lang="it-IT" sz="4000" dirty="0">
+                <a:solidFill>
+                  <a:srgbClr val="FFFFFF"/>
+                </a:solidFill>
+              </a:rPr>
+              <a:t>(2/2)</a:t>
             </a:r>
           </a:p>
         </p:txBody>
@@ -7242,7 +7400,7 @@
           <p:cNvPr id="4" name="Immagine 3">
             <a:extLst>
               <a:ext uri="{FF2B5EF4-FFF2-40B4-BE49-F238E27FC236}">
-                <a16:creationId xmlns:a16="http://schemas.microsoft.com/office/drawing/2014/main" id="{DD83C18E-0428-40F0-B29F-430CF6A893DF}"/>
+                <a16:creationId xmlns:a16="http://schemas.microsoft.com/office/drawing/2014/main" id="{B2C48479-A154-468C-A8ED-BADCDC694954}"/>
               </a:ext>
             </a:extLst>
           </p:cNvPr>
@@ -7259,8 +7417,8 @@
         </p:blipFill>
         <p:spPr>
           <a:xfrm>
-            <a:off x="6615925" y="496336"/>
-            <a:ext cx="2994920" cy="5845047"/>
+            <a:off x="5163059" y="589011"/>
+            <a:ext cx="5982218" cy="5700254"/>
           </a:xfrm>
           <a:prstGeom prst="rect">
             <a:avLst/>
@@ -7270,7 +7428,7 @@
     </p:spTree>
     <p:extLst>
       <p:ext uri="{BB962C8B-B14F-4D97-AF65-F5344CB8AC3E}">
-        <p14:creationId xmlns:p14="http://schemas.microsoft.com/office/powerpoint/2010/main" val="2861803753"/>
+        <p14:creationId xmlns:p14="http://schemas.microsoft.com/office/powerpoint/2010/main" val="2158174479"/>
       </p:ext>
     </p:extLst>
   </p:cSld>
@@ -7280,7 +7438,7 @@
 </p:sld>
 </file>
 
-<file path=ppt/slides/slide4.xml><?xml version="1.0" encoding="utf-8"?>
+<file path=ppt/slides/slide2.xml><?xml version="1.0" encoding="utf-8"?>
 <p:sld xmlns:a="http://schemas.openxmlformats.org/drawingml/2006/main" xmlns:r="http://schemas.openxmlformats.org/officeDocument/2006/relationships" xmlns:p="http://schemas.openxmlformats.org/presentationml/2006/main">
   <p:cSld>
     <p:bg>
@@ -7932,7 +8090,7 @@
           <p:cNvPr id="2" name="Title 1">
             <a:extLst>
               <a:ext uri="{FF2B5EF4-FFF2-40B4-BE49-F238E27FC236}">
-                <a16:creationId xmlns:a16="http://schemas.microsoft.com/office/drawing/2014/main" id="{6C0937FD-3195-4E6E-AA7F-8D790A0A8ABA}"/>
+                <a16:creationId xmlns:a16="http://schemas.microsoft.com/office/drawing/2014/main" id="{5D199468-442B-44D8-8FB1-9E9E01386302}"/>
               </a:ext>
             </a:extLst>
           </p:cNvPr>
@@ -7957,80 +8115,103 @@
           <a:p>
             <a:pPr algn="r"/>
             <a:r>
-              <a:rPr lang="it-IT" sz="4000" dirty="0">
+              <a:rPr lang="it-IT" sz="4000">
                 <a:solidFill>
                   <a:srgbClr val="FFFFFF"/>
                 </a:solidFill>
               </a:rPr>
-              <a:t>API 1:</a:t>
+              <a:t>Descrizione del progetto</a:t>
             </a:r>
-            <a:br>
-              <a:rPr lang="it-IT" sz="4000" dirty="0">
-                <a:solidFill>
-                  <a:srgbClr val="FFFFFF"/>
-                </a:solidFill>
-              </a:rPr>
-            </a:br>
-            <a:r>
-              <a:rPr lang="it-IT" sz="4000" dirty="0">
-                <a:solidFill>
-                  <a:srgbClr val="FFFFFF"/>
-                </a:solidFill>
-              </a:rPr>
-              <a:t>codice</a:t>
-            </a:r>
-            <a:br>
-              <a:rPr lang="it-IT" sz="4000" dirty="0">
-                <a:solidFill>
-                  <a:srgbClr val="FFFFFF"/>
-                </a:solidFill>
-              </a:rPr>
-            </a:br>
-            <a:r>
-              <a:rPr lang="it-IT" sz="4000" dirty="0">
-                <a:solidFill>
-                  <a:srgbClr val="FFFFFF"/>
-                </a:solidFill>
-              </a:rPr>
-              <a:t>(1/2)</a:t>
-            </a:r>
-          </a:p>
-        </p:txBody>
-      </p:sp>
-      <p:pic>
-        <p:nvPicPr>
-          <p:cNvPr id="6" name="Immagine 5">
-            <a:extLst>
-              <a:ext uri="{FF2B5EF4-FFF2-40B4-BE49-F238E27FC236}">
-                <a16:creationId xmlns:a16="http://schemas.microsoft.com/office/drawing/2014/main" id="{CAC26CDC-F273-4998-94D6-8EB1AFE91AD5}"/>
-              </a:ext>
-            </a:extLst>
-          </p:cNvPr>
-          <p:cNvPicPr>
-            <a:picLocks noChangeAspect="1"/>
-          </p:cNvPicPr>
-          <p:nvPr/>
-        </p:nvPicPr>
-        <p:blipFill>
-          <a:blip r:embed="rId2"/>
-          <a:stretch>
-            <a:fillRect/>
-          </a:stretch>
-        </p:blipFill>
+          </a:p>
+        </p:txBody>
+      </p:sp>
+      <p:sp>
+        <p:nvSpPr>
+          <p:cNvPr id="3" name="Content Placeholder 2">
+            <a:extLst>
+              <a:ext uri="{FF2B5EF4-FFF2-40B4-BE49-F238E27FC236}">
+                <a16:creationId xmlns:a16="http://schemas.microsoft.com/office/drawing/2014/main" id="{A05D1882-65DE-484D-B983-8F24ECBDF31D}"/>
+              </a:ext>
+            </a:extLst>
+          </p:cNvPr>
+          <p:cNvSpPr>
+            <a:spLocks noGrp="1"/>
+          </p:cNvSpPr>
+          <p:nvPr>
+            <p:ph idx="1"/>
+          </p:nvPr>
+        </p:nvSpPr>
         <p:spPr>
           <a:xfrm>
-            <a:off x="4819650" y="1034547"/>
-            <a:ext cx="6828520" cy="4768625"/>
+            <a:off x="4810259" y="649480"/>
+            <a:ext cx="6555347" cy="5546047"/>
           </a:xfrm>
-          <a:prstGeom prst="rect">
-            <a:avLst/>
-          </a:prstGeom>
         </p:spPr>
-      </p:pic>
+        <p:txBody>
+          <a:bodyPr anchor="ctr">
+            <a:normAutofit/>
+          </a:bodyPr>
+          <a:lstStyle/>
+          <a:p>
+            <a:r>
+              <a:rPr lang="it-IT" sz="2000" dirty="0"/>
+              <a:t>Integrazione di due API REST </a:t>
+            </a:r>
+            <a:r>
+              <a:rPr lang="it-IT" sz="2000"/>
+              <a:t>nel mhw2, </a:t>
+            </a:r>
+            <a:r>
+              <a:rPr lang="it-IT" sz="2000" dirty="0"/>
+              <a:t>una senza autenticazione, </a:t>
+            </a:r>
+            <a:r>
+              <a:rPr lang="it-IT" sz="2000" dirty="0">
+                <a:hlinkClick r:id="rId2"/>
+              </a:rPr>
+              <a:t>MCU countdown</a:t>
+            </a:r>
+            <a:r>
+              <a:rPr lang="it-IT" sz="2000" dirty="0"/>
+              <a:t>, e una con autenticazione </a:t>
+            </a:r>
+            <a:r>
+              <a:rPr lang="it-IT" sz="2000" dirty="0" err="1"/>
+              <a:t>OAuth</a:t>
+            </a:r>
+            <a:r>
+              <a:rPr lang="it-IT" sz="2000" dirty="0"/>
+              <a:t> 2.0, </a:t>
+            </a:r>
+            <a:r>
+              <a:rPr lang="it-IT" sz="2000" dirty="0">
+                <a:hlinkClick r:id="rId3"/>
+              </a:rPr>
+              <a:t>Spotify</a:t>
+            </a:r>
+            <a:r>
+              <a:rPr lang="it-IT" sz="2000" dirty="0"/>
+              <a:t>.</a:t>
+            </a:r>
+          </a:p>
+          <a:p>
+            <a:r>
+              <a:rPr lang="it-IT" sz="2000" dirty="0"/>
+              <a:t>La prima API mostra il prossimo film in uscita al cinema della Marvel, indicando quanti giorni mancano e la locandina del film, e un bottone per passare al film successivo.</a:t>
+            </a:r>
+          </a:p>
+          <a:p>
+            <a:r>
+              <a:rPr lang="it-IT" sz="2000" dirty="0"/>
+              <a:t>La seconda API mostra 5 canzoni casuali prese dal catalogo Spotify, inerenti a personaggi casuali presenti nella pagina, con possibilità di riprodurre la canzone.</a:t>
+            </a:r>
+          </a:p>
+        </p:txBody>
+      </p:sp>
     </p:spTree>
     <p:extLst>
       <p:ext uri="{BB962C8B-B14F-4D97-AF65-F5344CB8AC3E}">
-        <p14:creationId xmlns:p14="http://schemas.microsoft.com/office/powerpoint/2010/main" val="3250376665"/>
+        <p14:creationId xmlns:p14="http://schemas.microsoft.com/office/powerpoint/2010/main" val="2693910554"/>
       </p:ext>
     </p:extLst>
   </p:cSld>
@@ -8040,7 +8221,7 @@
 </p:sld>
 </file>
 
-<file path=ppt/slides/slide5.xml><?xml version="1.0" encoding="utf-8"?>
+<file path=ppt/slides/slide3.xml><?xml version="1.0" encoding="utf-8"?>
 <p:sld xmlns:a="http://schemas.openxmlformats.org/drawingml/2006/main" xmlns:r="http://schemas.openxmlformats.org/officeDocument/2006/relationships" xmlns:p="http://schemas.openxmlformats.org/presentationml/2006/main">
   <p:cSld>
     <p:bg>
@@ -8692,7 +8873,7 @@
           <p:cNvPr id="2" name="Title 1">
             <a:extLst>
               <a:ext uri="{FF2B5EF4-FFF2-40B4-BE49-F238E27FC236}">
-                <a16:creationId xmlns:a16="http://schemas.microsoft.com/office/drawing/2014/main" id="{6C0937FD-3195-4E6E-AA7F-8D790A0A8ABA}"/>
+                <a16:creationId xmlns:a16="http://schemas.microsoft.com/office/drawing/2014/main" id="{793E3554-1D0A-4FE7-968B-21CF8C909EBD}"/>
               </a:ext>
             </a:extLst>
           </p:cNvPr>
@@ -8737,22 +8918,7 @@
                   <a:srgbClr val="FFFFFF"/>
                 </a:solidFill>
               </a:rPr>
-              <a:t>codice</a:t>
-            </a:r>
-            <a:br>
-              <a:rPr lang="it-IT" sz="4000" dirty="0">
-                <a:solidFill>
-                  <a:srgbClr val="FFFFFF"/>
-                </a:solidFill>
-              </a:rPr>
-            </a:br>
-            <a:r>
-              <a:rPr lang="it-IT" sz="4000" dirty="0">
-                <a:solidFill>
-                  <a:srgbClr val="FFFFFF"/>
-                </a:solidFill>
-              </a:rPr>
-              <a:t>(2/2)</a:t>
+              <a:t>MCU Countdown</a:t>
             </a:r>
           </a:p>
         </p:txBody>
@@ -8762,7 +8928,7 @@
           <p:cNvPr id="4" name="Immagine 3">
             <a:extLst>
               <a:ext uri="{FF2B5EF4-FFF2-40B4-BE49-F238E27FC236}">
-                <a16:creationId xmlns:a16="http://schemas.microsoft.com/office/drawing/2014/main" id="{8AE86936-E8BA-4AED-B64F-D1DC0F7C84F8}"/>
+                <a16:creationId xmlns:a16="http://schemas.microsoft.com/office/drawing/2014/main" id="{DD83C18E-0428-40F0-B29F-430CF6A893DF}"/>
               </a:ext>
             </a:extLst>
           </p:cNvPr>
@@ -8779,8 +8945,8 @@
         </p:blipFill>
         <p:spPr>
           <a:xfrm>
-            <a:off x="4726001" y="1884523"/>
-            <a:ext cx="6774767" cy="3109229"/>
+            <a:off x="6615925" y="496336"/>
+            <a:ext cx="2994920" cy="5845047"/>
           </a:xfrm>
           <a:prstGeom prst="rect">
             <a:avLst/>
@@ -8790,7 +8956,7 @@
     </p:spTree>
     <p:extLst>
       <p:ext uri="{BB962C8B-B14F-4D97-AF65-F5344CB8AC3E}">
-        <p14:creationId xmlns:p14="http://schemas.microsoft.com/office/powerpoint/2010/main" val="1725363292"/>
+        <p14:creationId xmlns:p14="http://schemas.microsoft.com/office/powerpoint/2010/main" val="2861803753"/>
       </p:ext>
     </p:extLst>
   </p:cSld>
@@ -8800,7 +8966,7 @@
 </p:sld>
 </file>
 
-<file path=ppt/slides/slide6.xml><?xml version="1.0" encoding="utf-8"?>
+<file path=ppt/slides/slide4.xml><?xml version="1.0" encoding="utf-8"?>
 <p:sld xmlns:a="http://schemas.openxmlformats.org/drawingml/2006/main" xmlns:r="http://schemas.openxmlformats.org/officeDocument/2006/relationships" xmlns:p="http://schemas.openxmlformats.org/presentationml/2006/main">
   <p:cSld>
     <p:bg>
@@ -9499,6 +9665,21 @@
               </a:rPr>
               <a:t>documentazione</a:t>
             </a:r>
+            <a:br>
+              <a:rPr lang="it-IT" sz="3200" dirty="0">
+                <a:solidFill>
+                  <a:srgbClr val="FFFFFF"/>
+                </a:solidFill>
+              </a:rPr>
+            </a:br>
+            <a:r>
+              <a:rPr lang="it-IT" sz="3200" dirty="0">
+                <a:solidFill>
+                  <a:srgbClr val="FFFFFF"/>
+                </a:solidFill>
+              </a:rPr>
+              <a:t>e JSON di risposta</a:t>
+            </a:r>
           </a:p>
         </p:txBody>
       </p:sp>
@@ -9524,8 +9705,8 @@
         </p:blipFill>
         <p:spPr>
           <a:xfrm>
-            <a:off x="5041905" y="586855"/>
-            <a:ext cx="6340389" cy="1310754"/>
+            <a:off x="5359709" y="378987"/>
+            <a:ext cx="5588917" cy="1155402"/>
           </a:xfrm>
           <a:prstGeom prst="rect">
             <a:avLst/>
@@ -9554,8 +9735,38 @@
         </p:blipFill>
         <p:spPr>
           <a:xfrm>
-            <a:off x="4651912" y="2484464"/>
+            <a:off x="4604901" y="1727878"/>
             <a:ext cx="7120377" cy="3423461"/>
+          </a:xfrm>
+          <a:prstGeom prst="rect">
+            <a:avLst/>
+          </a:prstGeom>
+        </p:spPr>
+      </p:pic>
+      <p:pic>
+        <p:nvPicPr>
+          <p:cNvPr id="13" name="Immagine 12">
+            <a:extLst>
+              <a:ext uri="{FF2B5EF4-FFF2-40B4-BE49-F238E27FC236}">
+                <a16:creationId xmlns:a16="http://schemas.microsoft.com/office/drawing/2014/main" id="{FD917E27-C1FF-4A47-85E8-8CD9C6D89C7A}"/>
+              </a:ext>
+            </a:extLst>
+          </p:cNvPr>
+          <p:cNvPicPr>
+            <a:picLocks noChangeAspect="1"/>
+          </p:cNvPicPr>
+          <p:nvPr/>
+        </p:nvPicPr>
+        <p:blipFill>
+          <a:blip r:embed="rId4"/>
+          <a:stretch>
+            <a:fillRect/>
+          </a:stretch>
+        </p:blipFill>
+        <p:spPr>
+          <a:xfrm>
+            <a:off x="4493322" y="5481177"/>
+            <a:ext cx="7343533" cy="1046984"/>
           </a:xfrm>
           <a:prstGeom prst="rect">
             <a:avLst/>
@@ -9575,7 +9786,7 @@
 </p:sld>
 </file>
 
-<file path=ppt/slides/slide7.xml><?xml version="1.0" encoding="utf-8"?>
+<file path=ppt/slides/slide5.xml><?xml version="1.0" encoding="utf-8"?>
 <p:sld xmlns:a="http://schemas.openxmlformats.org/drawingml/2006/main" xmlns:r="http://schemas.openxmlformats.org/officeDocument/2006/relationships" xmlns:p="http://schemas.openxmlformats.org/presentationml/2006/main">
   <p:cSld>
     <p:bg>
@@ -10227,7 +10438,7 @@
           <p:cNvPr id="2" name="Title 1">
             <a:extLst>
               <a:ext uri="{FF2B5EF4-FFF2-40B4-BE49-F238E27FC236}">
-                <a16:creationId xmlns:a16="http://schemas.microsoft.com/office/drawing/2014/main" id="{793E3554-1D0A-4FE7-968B-21CF8C909EBD}"/>
+                <a16:creationId xmlns:a16="http://schemas.microsoft.com/office/drawing/2014/main" id="{6C0937FD-3195-4E6E-AA7F-8D790A0A8ABA}"/>
               </a:ext>
             </a:extLst>
           </p:cNvPr>
@@ -10240,8 +10451,8 @@
         </p:nvSpPr>
         <p:spPr>
           <a:xfrm>
-            <a:off x="272955" y="586855"/>
-            <a:ext cx="3395133" cy="3387497"/>
+            <a:off x="466722" y="586855"/>
+            <a:ext cx="3201366" cy="3387497"/>
           </a:xfrm>
         </p:spPr>
         <p:txBody>
@@ -10257,7 +10468,7 @@
                   <a:srgbClr val="FFFFFF"/>
                 </a:solidFill>
               </a:rPr>
-              <a:t>API 2:</a:t>
+              <a:t>API 1:</a:t>
             </a:r>
             <a:br>
               <a:rPr lang="it-IT" sz="4000" dirty="0">
@@ -10272,17 +10483,32 @@
                   <a:srgbClr val="FFFFFF"/>
                 </a:solidFill>
               </a:rPr>
-              <a:t>Spotify</a:t>
+              <a:t>codice</a:t>
+            </a:r>
+            <a:br>
+              <a:rPr lang="it-IT" sz="4000" dirty="0">
+                <a:solidFill>
+                  <a:srgbClr val="FFFFFF"/>
+                </a:solidFill>
+              </a:rPr>
+            </a:br>
+            <a:r>
+              <a:rPr lang="it-IT" sz="4000" dirty="0">
+                <a:solidFill>
+                  <a:srgbClr val="FFFFFF"/>
+                </a:solidFill>
+              </a:rPr>
+              <a:t>(1/2)</a:t>
             </a:r>
           </a:p>
         </p:txBody>
       </p:sp>
       <p:pic>
         <p:nvPicPr>
-          <p:cNvPr id="4" name="Immagine 3">
-            <a:extLst>
-              <a:ext uri="{FF2B5EF4-FFF2-40B4-BE49-F238E27FC236}">
-                <a16:creationId xmlns:a16="http://schemas.microsoft.com/office/drawing/2014/main" id="{4B00D4F6-EB80-466A-8F2E-996AEF53BFFB}"/>
+          <p:cNvPr id="6" name="Immagine 5">
+            <a:extLst>
+              <a:ext uri="{FF2B5EF4-FFF2-40B4-BE49-F238E27FC236}">
+                <a16:creationId xmlns:a16="http://schemas.microsoft.com/office/drawing/2014/main" id="{CAC26CDC-F273-4998-94D6-8EB1AFE91AD5}"/>
               </a:ext>
             </a:extLst>
           </p:cNvPr>
@@ -10299,8 +10525,8 @@
         </p:blipFill>
         <p:spPr>
           <a:xfrm>
-            <a:off x="6265693" y="722372"/>
-            <a:ext cx="3421677" cy="5433531"/>
+            <a:off x="4819650" y="1034547"/>
+            <a:ext cx="6828520" cy="4768625"/>
           </a:xfrm>
           <a:prstGeom prst="rect">
             <a:avLst/>
@@ -10310,7 +10536,7 @@
     </p:spTree>
     <p:extLst>
       <p:ext uri="{BB962C8B-B14F-4D97-AF65-F5344CB8AC3E}">
-        <p14:creationId xmlns:p14="http://schemas.microsoft.com/office/powerpoint/2010/main" val="1442824649"/>
+        <p14:creationId xmlns:p14="http://schemas.microsoft.com/office/powerpoint/2010/main" val="3250376665"/>
       </p:ext>
     </p:extLst>
   </p:cSld>
@@ -10320,7 +10546,7 @@
 </p:sld>
 </file>
 
-<file path=ppt/slides/slide8.xml><?xml version="1.0" encoding="utf-8"?>
+<file path=ppt/slides/slide6.xml><?xml version="1.0" encoding="utf-8"?>
 <p:sld xmlns:a="http://schemas.openxmlformats.org/drawingml/2006/main" xmlns:r="http://schemas.openxmlformats.org/officeDocument/2006/relationships" xmlns:p="http://schemas.openxmlformats.org/presentationml/2006/main">
   <p:cSld>
     <p:bg>
@@ -10972,7 +11198,7 @@
           <p:cNvPr id="2" name="Title 1">
             <a:extLst>
               <a:ext uri="{FF2B5EF4-FFF2-40B4-BE49-F238E27FC236}">
-                <a16:creationId xmlns:a16="http://schemas.microsoft.com/office/drawing/2014/main" id="{793E3554-1D0A-4FE7-968B-21CF8C909EBD}"/>
+                <a16:creationId xmlns:a16="http://schemas.microsoft.com/office/drawing/2014/main" id="{6C0937FD-3195-4E6E-AA7F-8D790A0A8ABA}"/>
               </a:ext>
             </a:extLst>
           </p:cNvPr>
@@ -10985,8 +11211,8 @@
         </p:nvSpPr>
         <p:spPr>
           <a:xfrm>
-            <a:off x="272955" y="586855"/>
-            <a:ext cx="3395133" cy="3387497"/>
+            <a:off x="466722" y="586855"/>
+            <a:ext cx="3201366" cy="3387497"/>
           </a:xfrm>
         </p:spPr>
         <p:txBody>
@@ -11002,7 +11228,7 @@
                   <a:srgbClr val="FFFFFF"/>
                 </a:solidFill>
               </a:rPr>
-              <a:t>API 2:</a:t>
+              <a:t>API 1:</a:t>
             </a:r>
             <a:br>
               <a:rPr lang="it-IT" sz="4000" dirty="0">
@@ -11032,17 +11258,17 @@
                   <a:srgbClr val="FFFFFF"/>
                 </a:solidFill>
               </a:rPr>
-              <a:t>(1/2)</a:t>
+              <a:t>(2/2)</a:t>
             </a:r>
           </a:p>
         </p:txBody>
       </p:sp>
       <p:pic>
         <p:nvPicPr>
-          <p:cNvPr id="5" name="Immagine 4">
-            <a:extLst>
-              <a:ext uri="{FF2B5EF4-FFF2-40B4-BE49-F238E27FC236}">
-                <a16:creationId xmlns:a16="http://schemas.microsoft.com/office/drawing/2014/main" id="{03BEAD18-8A6B-461D-95A2-9DAC132377BE}"/>
+          <p:cNvPr id="4" name="Immagine 3">
+            <a:extLst>
+              <a:ext uri="{FF2B5EF4-FFF2-40B4-BE49-F238E27FC236}">
+                <a16:creationId xmlns:a16="http://schemas.microsoft.com/office/drawing/2014/main" id="{8AE86936-E8BA-4AED-B64F-D1DC0F7C84F8}"/>
               </a:ext>
             </a:extLst>
           </p:cNvPr>
@@ -11059,8 +11285,8 @@
         </p:blipFill>
         <p:spPr>
           <a:xfrm>
-            <a:off x="4307548" y="1309050"/>
-            <a:ext cx="7693239" cy="4297956"/>
+            <a:off x="4726001" y="1884523"/>
+            <a:ext cx="6774767" cy="3109229"/>
           </a:xfrm>
           <a:prstGeom prst="rect">
             <a:avLst/>
@@ -11070,7 +11296,7 @@
     </p:spTree>
     <p:extLst>
       <p:ext uri="{BB962C8B-B14F-4D97-AF65-F5344CB8AC3E}">
-        <p14:creationId xmlns:p14="http://schemas.microsoft.com/office/powerpoint/2010/main" val="2557014366"/>
+        <p14:creationId xmlns:p14="http://schemas.microsoft.com/office/powerpoint/2010/main" val="1725363292"/>
       </p:ext>
     </p:extLst>
   </p:cSld>
@@ -11080,7 +11306,7 @@
 </p:sld>
 </file>
 
-<file path=ppt/slides/slide9.xml><?xml version="1.0" encoding="utf-8"?>
+<file path=ppt/slides/slide7.xml><?xml version="1.0" encoding="utf-8"?>
 <p:sld xmlns:a="http://schemas.openxmlformats.org/drawingml/2006/main" xmlns:r="http://schemas.openxmlformats.org/officeDocument/2006/relationships" xmlns:p="http://schemas.openxmlformats.org/presentationml/2006/main">
   <p:cSld>
     <p:bg>
@@ -11777,7 +12003,737 @@
                   <a:srgbClr val="FFFFFF"/>
                 </a:solidFill>
               </a:rPr>
-              <a:t>codice</a:t>
+              <a:t>Spotify</a:t>
+            </a:r>
+          </a:p>
+        </p:txBody>
+      </p:sp>
+      <p:pic>
+        <p:nvPicPr>
+          <p:cNvPr id="4" name="Immagine 3">
+            <a:extLst>
+              <a:ext uri="{FF2B5EF4-FFF2-40B4-BE49-F238E27FC236}">
+                <a16:creationId xmlns:a16="http://schemas.microsoft.com/office/drawing/2014/main" id="{4B00D4F6-EB80-466A-8F2E-996AEF53BFFB}"/>
+              </a:ext>
+            </a:extLst>
+          </p:cNvPr>
+          <p:cNvPicPr>
+            <a:picLocks noChangeAspect="1"/>
+          </p:cNvPicPr>
+          <p:nvPr/>
+        </p:nvPicPr>
+        <p:blipFill>
+          <a:blip r:embed="rId2"/>
+          <a:stretch>
+            <a:fillRect/>
+          </a:stretch>
+        </p:blipFill>
+        <p:spPr>
+          <a:xfrm>
+            <a:off x="6265693" y="722372"/>
+            <a:ext cx="3421677" cy="5433531"/>
+          </a:xfrm>
+          <a:prstGeom prst="rect">
+            <a:avLst/>
+          </a:prstGeom>
+        </p:spPr>
+      </p:pic>
+    </p:spTree>
+    <p:extLst>
+      <p:ext uri="{BB962C8B-B14F-4D97-AF65-F5344CB8AC3E}">
+        <p14:creationId xmlns:p14="http://schemas.microsoft.com/office/powerpoint/2010/main" val="1442824649"/>
+      </p:ext>
+    </p:extLst>
+  </p:cSld>
+  <p:clrMapOvr>
+    <a:masterClrMapping/>
+  </p:clrMapOvr>
+</p:sld>
+</file>
+
+<file path=ppt/slides/slide8.xml><?xml version="1.0" encoding="utf-8"?>
+<p:sld xmlns:a="http://schemas.openxmlformats.org/drawingml/2006/main" xmlns:r="http://schemas.openxmlformats.org/officeDocument/2006/relationships" xmlns:p="http://schemas.openxmlformats.org/presentationml/2006/main">
+  <p:cSld>
+    <p:bg>
+      <p:bgPr>
+        <a:solidFill>
+          <a:schemeClr val="bg1"/>
+        </a:solidFill>
+        <a:effectLst/>
+      </p:bgPr>
+    </p:bg>
+    <p:spTree>
+      <p:nvGrpSpPr>
+        <p:cNvPr id="1" name=""/>
+        <p:cNvGrpSpPr/>
+        <p:nvPr/>
+      </p:nvGrpSpPr>
+      <p:grpSpPr>
+        <a:xfrm>
+          <a:off x="0" y="0"/>
+          <a:ext cx="0" cy="0"/>
+          <a:chOff x="0" y="0"/>
+          <a:chExt cx="0" cy="0"/>
+        </a:xfrm>
+      </p:grpSpPr>
+      <p:sp useBgFill="1">
+        <p:nvSpPr>
+          <p:cNvPr id="8" name="Rectangle 7">
+            <a:extLst>
+              <a:ext uri="{FF2B5EF4-FFF2-40B4-BE49-F238E27FC236}">
+                <a16:creationId xmlns:a16="http://schemas.microsoft.com/office/drawing/2014/main" id="{09588DA8-065E-4F6F-8EFD-43104AB2E0CF}"/>
+              </a:ext>
+              <a:ext uri="{C183D7F6-B498-43B3-948B-1728B52AA6E4}">
+                <adec:decorative xmlns:adec="http://schemas.microsoft.com/office/drawing/2017/decorative" val="1"/>
+              </a:ext>
+            </a:extLst>
+          </p:cNvPr>
+          <p:cNvSpPr>
+            <a:spLocks noGrp="1" noRot="1" noChangeAspect="1" noMove="1" noResize="1" noEditPoints="1" noAdjustHandles="1" noChangeArrowheads="1" noChangeShapeType="1" noTextEdit="1"/>
+          </p:cNvSpPr>
+          <p:nvPr>
+            <p:extLst>
+              <p:ext uri="{386F3935-93C4-4BCD-93E2-E3B085C9AB24}">
+                <p16:designElem xmlns:p16="http://schemas.microsoft.com/office/powerpoint/2015/main" val="1"/>
+              </p:ext>
+            </p:extLst>
+          </p:nvPr>
+        </p:nvSpPr>
+        <p:spPr>
+          <a:xfrm>
+            <a:off x="0" y="0"/>
+            <a:ext cx="12192000" cy="6858000"/>
+          </a:xfrm>
+          <a:prstGeom prst="rect">
+            <a:avLst/>
+          </a:prstGeom>
+          <a:ln w="12700" cap="flat" cmpd="sng" algn="ctr">
+            <a:noFill/>
+            <a:prstDash val="solid"/>
+            <a:miter lim="800000"/>
+          </a:ln>
+          <a:effectLst/>
+          <a:extLst>
+            <a:ext uri="{91240B29-F687-4F45-9708-019B960494DF}">
+              <a14:hiddenLine xmlns:a14="http://schemas.microsoft.com/office/drawing/2010/main" w="12700" cap="flat" cmpd="sng" algn="ctr">
+                <a:solidFill>
+                  <a:schemeClr val="accent1">
+                    <a:shade val="50000"/>
+                  </a:schemeClr>
+                </a:solidFill>
+                <a:prstDash val="solid"/>
+                <a:miter lim="800000"/>
+              </a14:hiddenLine>
+            </a:ext>
+          </a:extLst>
+        </p:spPr>
+        <p:style>
+          <a:lnRef idx="2">
+            <a:schemeClr val="accent1">
+              <a:shade val="50000"/>
+            </a:schemeClr>
+          </a:lnRef>
+          <a:fillRef idx="1">
+            <a:schemeClr val="accent1"/>
+          </a:fillRef>
+          <a:effectRef idx="0">
+            <a:schemeClr val="accent1"/>
+          </a:effectRef>
+          <a:fontRef idx="minor">
+            <a:schemeClr val="lt1"/>
+          </a:fontRef>
+        </p:style>
+        <p:txBody>
+          <a:bodyPr rtlCol="0" anchor="ctr"/>
+          <a:lstStyle/>
+          <a:p>
+            <a:pPr algn="ctr"/>
+            <a:endParaRPr lang="en-US"/>
+          </a:p>
+        </p:txBody>
+      </p:sp>
+      <p:sp useBgFill="1">
+        <p:nvSpPr>
+          <p:cNvPr id="10" name="Rectangle 9">
+            <a:extLst>
+              <a:ext uri="{FF2B5EF4-FFF2-40B4-BE49-F238E27FC236}">
+                <a16:creationId xmlns:a16="http://schemas.microsoft.com/office/drawing/2014/main" id="{C4285719-470E-454C-AF62-8323075F1F5B}"/>
+              </a:ext>
+              <a:ext uri="{C183D7F6-B498-43B3-948B-1728B52AA6E4}">
+                <adec:decorative xmlns:adec="http://schemas.microsoft.com/office/drawing/2017/decorative" val="1"/>
+              </a:ext>
+            </a:extLst>
+          </p:cNvPr>
+          <p:cNvSpPr>
+            <a:spLocks noGrp="1" noRot="1" noChangeAspect="1" noMove="1" noResize="1" noEditPoints="1" noAdjustHandles="1" noChangeArrowheads="1" noChangeShapeType="1" noTextEdit="1"/>
+          </p:cNvSpPr>
+          <p:nvPr>
+            <p:extLst>
+              <p:ext uri="{386F3935-93C4-4BCD-93E2-E3B085C9AB24}">
+                <p16:designElem xmlns:p16="http://schemas.microsoft.com/office/powerpoint/2015/main" val="1"/>
+              </p:ext>
+            </p:extLst>
+          </p:nvPr>
+        </p:nvSpPr>
+        <p:spPr>
+          <a:xfrm>
+            <a:off x="0" y="0"/>
+            <a:ext cx="12188952" cy="6858000"/>
+          </a:xfrm>
+          <a:prstGeom prst="rect">
+            <a:avLst/>
+          </a:prstGeom>
+          <a:ln w="12700" cap="flat" cmpd="sng" algn="ctr">
+            <a:noFill/>
+            <a:prstDash val="solid"/>
+            <a:miter lim="800000"/>
+          </a:ln>
+          <a:effectLst/>
+          <a:extLst>
+            <a:ext uri="{91240B29-F687-4F45-9708-019B960494DF}">
+              <a14:hiddenLine xmlns:a14="http://schemas.microsoft.com/office/drawing/2010/main" w="12700" cap="flat" cmpd="sng" algn="ctr">
+                <a:solidFill>
+                  <a:schemeClr val="accent1">
+                    <a:shade val="50000"/>
+                  </a:schemeClr>
+                </a:solidFill>
+                <a:prstDash val="solid"/>
+                <a:miter lim="800000"/>
+              </a14:hiddenLine>
+            </a:ext>
+          </a:extLst>
+        </p:spPr>
+        <p:style>
+          <a:lnRef idx="2">
+            <a:schemeClr val="accent1">
+              <a:shade val="50000"/>
+            </a:schemeClr>
+          </a:lnRef>
+          <a:fillRef idx="1">
+            <a:schemeClr val="accent1"/>
+          </a:fillRef>
+          <a:effectRef idx="0">
+            <a:schemeClr val="accent1"/>
+          </a:effectRef>
+          <a:fontRef idx="minor">
+            <a:schemeClr val="lt1"/>
+          </a:fontRef>
+        </p:style>
+        <p:txBody>
+          <a:bodyPr rtlCol="0" anchor="ctr"/>
+          <a:lstStyle/>
+          <a:p>
+            <a:pPr algn="ctr"/>
+            <a:endParaRPr lang="en-US"/>
+          </a:p>
+        </p:txBody>
+      </p:sp>
+      <p:sp>
+        <p:nvSpPr>
+          <p:cNvPr id="12" name="Rectangle 11">
+            <a:extLst>
+              <a:ext uri="{FF2B5EF4-FFF2-40B4-BE49-F238E27FC236}">
+                <a16:creationId xmlns:a16="http://schemas.microsoft.com/office/drawing/2014/main" id="{CD9FE4EF-C4D8-49A0-B2FF-81D8DB7D8A24}"/>
+              </a:ext>
+              <a:ext uri="{C183D7F6-B498-43B3-948B-1728B52AA6E4}">
+                <adec:decorative xmlns:adec="http://schemas.microsoft.com/office/drawing/2017/decorative" val="1"/>
+              </a:ext>
+            </a:extLst>
+          </p:cNvPr>
+          <p:cNvSpPr>
+            <a:spLocks noGrp="1" noRot="1" noChangeAspect="1" noMove="1" noResize="1" noEditPoints="1" noAdjustHandles="1" noChangeArrowheads="1" noChangeShapeType="1" noTextEdit="1"/>
+          </p:cNvSpPr>
+          <p:nvPr>
+            <p:extLst>
+              <p:ext uri="{386F3935-93C4-4BCD-93E2-E3B085C9AB24}">
+                <p16:designElem xmlns:p16="http://schemas.microsoft.com/office/powerpoint/2015/main" val="1"/>
+              </p:ext>
+            </p:extLst>
+          </p:nvPr>
+        </p:nvSpPr>
+        <p:spPr>
+          <a:xfrm rot="5400000" flipH="1">
+            <a:off x="-1410084" y="1410082"/>
+            <a:ext cx="6858000" cy="4037836"/>
+          </a:xfrm>
+          <a:prstGeom prst="rect">
+            <a:avLst/>
+          </a:prstGeom>
+          <a:gradFill>
+            <a:gsLst>
+              <a:gs pos="8000">
+                <a:srgbClr val="000000"/>
+              </a:gs>
+              <a:gs pos="100000">
+                <a:schemeClr val="accent1">
+                  <a:lumMod val="75000"/>
+                </a:schemeClr>
+              </a:gs>
+            </a:gsLst>
+            <a:lin ang="3000000" scaled="0"/>
+          </a:gradFill>
+          <a:ln>
+            <a:noFill/>
+          </a:ln>
+        </p:spPr>
+        <p:style>
+          <a:lnRef idx="2">
+            <a:schemeClr val="accent1">
+              <a:shade val="50000"/>
+            </a:schemeClr>
+          </a:lnRef>
+          <a:fillRef idx="1">
+            <a:schemeClr val="accent1"/>
+          </a:fillRef>
+          <a:effectRef idx="0">
+            <a:schemeClr val="accent1"/>
+          </a:effectRef>
+          <a:fontRef idx="minor">
+            <a:schemeClr val="lt1"/>
+          </a:fontRef>
+        </p:style>
+        <p:txBody>
+          <a:bodyPr rtlCol="0" anchor="ctr"/>
+          <a:lstStyle/>
+          <a:p>
+            <a:pPr algn="ctr"/>
+            <a:endParaRPr lang="en-US"/>
+          </a:p>
+        </p:txBody>
+      </p:sp>
+      <p:sp>
+        <p:nvSpPr>
+          <p:cNvPr id="14" name="Rectangle 13">
+            <a:extLst>
+              <a:ext uri="{FF2B5EF4-FFF2-40B4-BE49-F238E27FC236}">
+                <a16:creationId xmlns:a16="http://schemas.microsoft.com/office/drawing/2014/main" id="{4300840D-0A0B-4512-BACA-B439D5B9C57C}"/>
+              </a:ext>
+              <a:ext uri="{C183D7F6-B498-43B3-948B-1728B52AA6E4}">
+                <adec:decorative xmlns:adec="http://schemas.microsoft.com/office/drawing/2017/decorative" val="1"/>
+              </a:ext>
+            </a:extLst>
+          </p:cNvPr>
+          <p:cNvSpPr>
+            <a:spLocks noGrp="1" noRot="1" noChangeAspect="1" noMove="1" noResize="1" noEditPoints="1" noAdjustHandles="1" noChangeArrowheads="1" noChangeShapeType="1" noTextEdit="1"/>
+          </p:cNvSpPr>
+          <p:nvPr>
+            <p:extLst>
+              <p:ext uri="{386F3935-93C4-4BCD-93E2-E3B085C9AB24}">
+                <p16:designElem xmlns:p16="http://schemas.microsoft.com/office/powerpoint/2015/main" val="1"/>
+              </p:ext>
+            </p:extLst>
+          </p:nvPr>
+        </p:nvSpPr>
+        <p:spPr>
+          <a:xfrm rot="5400000" flipH="1">
+            <a:off x="-1410085" y="1420219"/>
+            <a:ext cx="6857999" cy="4037839"/>
+          </a:xfrm>
+          <a:prstGeom prst="rect">
+            <a:avLst/>
+          </a:prstGeom>
+          <a:gradFill>
+            <a:gsLst>
+              <a:gs pos="0">
+                <a:srgbClr val="000000">
+                  <a:alpha val="0"/>
+                </a:srgbClr>
+              </a:gs>
+              <a:gs pos="99000">
+                <a:schemeClr val="accent1">
+                  <a:alpha val="46000"/>
+                </a:schemeClr>
+              </a:gs>
+            </a:gsLst>
+            <a:lin ang="1800000" scaled="0"/>
+          </a:gradFill>
+          <a:ln>
+            <a:noFill/>
+          </a:ln>
+        </p:spPr>
+        <p:style>
+          <a:lnRef idx="2">
+            <a:schemeClr val="accent1">
+              <a:shade val="50000"/>
+            </a:schemeClr>
+          </a:lnRef>
+          <a:fillRef idx="1">
+            <a:schemeClr val="accent1"/>
+          </a:fillRef>
+          <a:effectRef idx="0">
+            <a:schemeClr val="accent1"/>
+          </a:effectRef>
+          <a:fontRef idx="minor">
+            <a:schemeClr val="lt1"/>
+          </a:fontRef>
+        </p:style>
+        <p:txBody>
+          <a:bodyPr rtlCol="0" anchor="ctr"/>
+          <a:lstStyle/>
+          <a:p>
+            <a:pPr algn="ctr"/>
+            <a:endParaRPr lang="en-US"/>
+          </a:p>
+        </p:txBody>
+      </p:sp>
+      <p:sp>
+        <p:nvSpPr>
+          <p:cNvPr id="16" name="Rectangle 15">
+            <a:extLst>
+              <a:ext uri="{FF2B5EF4-FFF2-40B4-BE49-F238E27FC236}">
+                <a16:creationId xmlns:a16="http://schemas.microsoft.com/office/drawing/2014/main" id="{D2B78728-A580-49A7-84F9-6EF6F583ADE0}"/>
+              </a:ext>
+              <a:ext uri="{C183D7F6-B498-43B3-948B-1728B52AA6E4}">
+                <adec:decorative xmlns:adec="http://schemas.microsoft.com/office/drawing/2017/decorative" val="1"/>
+              </a:ext>
+            </a:extLst>
+          </p:cNvPr>
+          <p:cNvSpPr>
+            <a:spLocks noGrp="1" noRot="1" noChangeAspect="1" noMove="1" noResize="1" noEditPoints="1" noAdjustHandles="1" noChangeArrowheads="1" noChangeShapeType="1" noTextEdit="1"/>
+          </p:cNvSpPr>
+          <p:nvPr>
+            <p:extLst>
+              <p:ext uri="{386F3935-93C4-4BCD-93E2-E3B085C9AB24}">
+                <p16:designElem xmlns:p16="http://schemas.microsoft.com/office/powerpoint/2015/main" val="1"/>
+              </p:ext>
+            </p:extLst>
+          </p:nvPr>
+        </p:nvSpPr>
+        <p:spPr>
+          <a:xfrm rot="5400000" flipH="1">
+            <a:off x="767923" y="3588085"/>
+            <a:ext cx="2501979" cy="4037841"/>
+          </a:xfrm>
+          <a:prstGeom prst="rect">
+            <a:avLst/>
+          </a:prstGeom>
+          <a:gradFill>
+            <a:gsLst>
+              <a:gs pos="2000">
+                <a:schemeClr val="accent1">
+                  <a:alpha val="29000"/>
+                </a:schemeClr>
+              </a:gs>
+              <a:gs pos="100000">
+                <a:srgbClr val="000000">
+                  <a:alpha val="30000"/>
+                </a:srgbClr>
+              </a:gs>
+            </a:gsLst>
+            <a:lin ang="7800000" scaled="0"/>
+          </a:gradFill>
+          <a:ln>
+            <a:noFill/>
+          </a:ln>
+        </p:spPr>
+        <p:style>
+          <a:lnRef idx="2">
+            <a:schemeClr val="accent1">
+              <a:shade val="50000"/>
+            </a:schemeClr>
+          </a:lnRef>
+          <a:fillRef idx="1">
+            <a:schemeClr val="accent1"/>
+          </a:fillRef>
+          <a:effectRef idx="0">
+            <a:schemeClr val="accent1"/>
+          </a:effectRef>
+          <a:fontRef idx="minor">
+            <a:schemeClr val="lt1"/>
+          </a:fontRef>
+        </p:style>
+        <p:txBody>
+          <a:bodyPr rtlCol="0" anchor="ctr"/>
+          <a:lstStyle/>
+          <a:p>
+            <a:pPr algn="ctr"/>
+            <a:endParaRPr lang="en-US" dirty="0"/>
+          </a:p>
+        </p:txBody>
+      </p:sp>
+      <p:sp>
+        <p:nvSpPr>
+          <p:cNvPr id="18" name="Freeform: Shape 17">
+            <a:extLst>
+              <a:ext uri="{FF2B5EF4-FFF2-40B4-BE49-F238E27FC236}">
+                <a16:creationId xmlns:a16="http://schemas.microsoft.com/office/drawing/2014/main" id="{38FAA1A1-D861-433F-88FA-1E9D6FD31D11}"/>
+              </a:ext>
+              <a:ext uri="{C183D7F6-B498-43B3-948B-1728B52AA6E4}">
+                <adec:decorative xmlns:adec="http://schemas.microsoft.com/office/drawing/2017/decorative" val="1"/>
+              </a:ext>
+            </a:extLst>
+          </p:cNvPr>
+          <p:cNvSpPr>
+            <a:spLocks noGrp="1" noRot="1" noChangeAspect="1" noMove="1" noResize="1" noEditPoints="1" noAdjustHandles="1" noChangeArrowheads="1" noChangeShapeType="1" noTextEdit="1"/>
+          </p:cNvSpPr>
+          <p:nvPr>
+            <p:extLst>
+              <p:ext uri="{386F3935-93C4-4BCD-93E2-E3B085C9AB24}">
+                <p16:designElem xmlns:p16="http://schemas.microsoft.com/office/powerpoint/2015/main" val="1"/>
+              </p:ext>
+            </p:extLst>
+          </p:nvPr>
+        </p:nvSpPr>
+        <p:spPr>
+          <a:xfrm rot="20635413">
+            <a:off x="-501737" y="969718"/>
+            <a:ext cx="3900357" cy="4178958"/>
+          </a:xfrm>
+          <a:custGeom>
+            <a:avLst/>
+            <a:gdLst>
+              <a:gd name="connsiteX0" fmla="*/ 2432225 w 3900357"/>
+              <a:gd name="connsiteY0" fmla="*/ 93939 h 4178958"/>
+              <a:gd name="connsiteX1" fmla="*/ 3900357 w 3900357"/>
+              <a:gd name="connsiteY1" fmla="*/ 2089479 h 4178958"/>
+              <a:gd name="connsiteX2" fmla="*/ 1810878 w 3900357"/>
+              <a:gd name="connsiteY2" fmla="*/ 4178958 h 4178958"/>
+              <a:gd name="connsiteX3" fmla="*/ 78249 w 3900357"/>
+              <a:gd name="connsiteY3" fmla="*/ 3257727 h 4178958"/>
+              <a:gd name="connsiteX4" fmla="*/ 0 w 3900357"/>
+              <a:gd name="connsiteY4" fmla="*/ 3128923 h 4178958"/>
+              <a:gd name="connsiteX5" fmla="*/ 831324 w 3900357"/>
+              <a:gd name="connsiteY5" fmla="*/ 244281 h 4178958"/>
+              <a:gd name="connsiteX6" fmla="*/ 997559 w 3900357"/>
+              <a:gd name="connsiteY6" fmla="*/ 164202 h 4178958"/>
+              <a:gd name="connsiteX7" fmla="*/ 1810878 w 3900357"/>
+              <a:gd name="connsiteY7" fmla="*/ 0 h 4178958"/>
+              <a:gd name="connsiteX8" fmla="*/ 2432225 w 3900357"/>
+              <a:gd name="connsiteY8" fmla="*/ 93939 h 4178958"/>
+            </a:gdLst>
+            <a:ahLst/>
+            <a:cxnLst>
+              <a:cxn ang="0">
+                <a:pos x="connsiteX0" y="connsiteY0"/>
+              </a:cxn>
+              <a:cxn ang="0">
+                <a:pos x="connsiteX1" y="connsiteY1"/>
+              </a:cxn>
+              <a:cxn ang="0">
+                <a:pos x="connsiteX2" y="connsiteY2"/>
+              </a:cxn>
+              <a:cxn ang="0">
+                <a:pos x="connsiteX3" y="connsiteY3"/>
+              </a:cxn>
+              <a:cxn ang="0">
+                <a:pos x="connsiteX4" y="connsiteY4"/>
+              </a:cxn>
+              <a:cxn ang="0">
+                <a:pos x="connsiteX5" y="connsiteY5"/>
+              </a:cxn>
+              <a:cxn ang="0">
+                <a:pos x="connsiteX6" y="connsiteY6"/>
+              </a:cxn>
+              <a:cxn ang="0">
+                <a:pos x="connsiteX7" y="connsiteY7"/>
+              </a:cxn>
+              <a:cxn ang="0">
+                <a:pos x="connsiteX8" y="connsiteY8"/>
+              </a:cxn>
+            </a:cxnLst>
+            <a:rect l="l" t="t" r="r" b="b"/>
+            <a:pathLst>
+              <a:path w="3900357" h="4178958">
+                <a:moveTo>
+                  <a:pt x="2432225" y="93939"/>
+                </a:moveTo>
+                <a:cubicBezTo>
+                  <a:pt x="3282786" y="358491"/>
+                  <a:pt x="3900357" y="1151865"/>
+                  <a:pt x="3900357" y="2089479"/>
+                </a:cubicBezTo>
+                <a:cubicBezTo>
+                  <a:pt x="3900357" y="3243466"/>
+                  <a:pt x="2964865" y="4178958"/>
+                  <a:pt x="1810878" y="4178958"/>
+                </a:cubicBezTo>
+                <a:cubicBezTo>
+                  <a:pt x="1089636" y="4178958"/>
+                  <a:pt x="453744" y="3813531"/>
+                  <a:pt x="78249" y="3257727"/>
+                </a:cubicBezTo>
+                <a:lnTo>
+                  <a:pt x="0" y="3128923"/>
+                </a:lnTo>
+                <a:lnTo>
+                  <a:pt x="831324" y="244281"/>
+                </a:lnTo>
+                <a:lnTo>
+                  <a:pt x="997559" y="164202"/>
+                </a:lnTo>
+                <a:cubicBezTo>
+                  <a:pt x="1247540" y="58468"/>
+                  <a:pt x="1522381" y="0"/>
+                  <a:pt x="1810878" y="0"/>
+                </a:cubicBezTo>
+                <a:cubicBezTo>
+                  <a:pt x="2027251" y="0"/>
+                  <a:pt x="2235942" y="32888"/>
+                  <a:pt x="2432225" y="93939"/>
+                </a:cubicBezTo>
+                <a:close/>
+              </a:path>
+            </a:pathLst>
+          </a:custGeom>
+          <a:gradFill>
+            <a:gsLst>
+              <a:gs pos="29000">
+                <a:srgbClr val="000000">
+                  <a:alpha val="0"/>
+                </a:srgbClr>
+              </a:gs>
+              <a:gs pos="100000">
+                <a:schemeClr val="accent1">
+                  <a:alpha val="43000"/>
+                </a:schemeClr>
+              </a:gs>
+            </a:gsLst>
+            <a:lin ang="1800000" scaled="0"/>
+          </a:gradFill>
+          <a:ln>
+            <a:noFill/>
+          </a:ln>
+        </p:spPr>
+        <p:style>
+          <a:lnRef idx="2">
+            <a:schemeClr val="accent1">
+              <a:shade val="50000"/>
+            </a:schemeClr>
+          </a:lnRef>
+          <a:fillRef idx="1">
+            <a:schemeClr val="accent1"/>
+          </a:fillRef>
+          <a:effectRef idx="0">
+            <a:schemeClr val="accent1"/>
+          </a:effectRef>
+          <a:fontRef idx="minor">
+            <a:schemeClr val="lt1"/>
+          </a:fontRef>
+        </p:style>
+        <p:txBody>
+          <a:bodyPr wrap="square" rtlCol="0" anchor="ctr">
+            <a:noAutofit/>
+          </a:bodyPr>
+          <a:lstStyle/>
+          <a:p>
+            <a:pPr algn="ctr"/>
+            <a:endParaRPr lang="en-US" dirty="0"/>
+          </a:p>
+        </p:txBody>
+      </p:sp>
+      <p:sp>
+        <p:nvSpPr>
+          <p:cNvPr id="20" name="Rectangle 19">
+            <a:extLst>
+              <a:ext uri="{FF2B5EF4-FFF2-40B4-BE49-F238E27FC236}">
+                <a16:creationId xmlns:a16="http://schemas.microsoft.com/office/drawing/2014/main" id="{8D71EDA1-87BF-4D5D-AB79-F346FD19278A}"/>
+              </a:ext>
+              <a:ext uri="{C183D7F6-B498-43B3-948B-1728B52AA6E4}">
+                <adec:decorative xmlns:adec="http://schemas.microsoft.com/office/drawing/2017/decorative" val="1"/>
+              </a:ext>
+            </a:extLst>
+          </p:cNvPr>
+          <p:cNvSpPr>
+            <a:spLocks noGrp="1" noRot="1" noChangeAspect="1" noMove="1" noResize="1" noEditPoints="1" noAdjustHandles="1" noChangeArrowheads="1" noChangeShapeType="1" noTextEdit="1"/>
+          </p:cNvSpPr>
+          <p:nvPr>
+            <p:extLst>
+              <p:ext uri="{386F3935-93C4-4BCD-93E2-E3B085C9AB24}">
+                <p16:designElem xmlns:p16="http://schemas.microsoft.com/office/powerpoint/2015/main" val="1"/>
+              </p:ext>
+            </p:extLst>
+          </p:nvPr>
+        </p:nvSpPr>
+        <p:spPr>
+          <a:xfrm rot="5400000" flipH="1">
+            <a:off x="-1410093" y="1399943"/>
+            <a:ext cx="6858003" cy="4037835"/>
+          </a:xfrm>
+          <a:prstGeom prst="rect">
+            <a:avLst/>
+          </a:prstGeom>
+          <a:gradFill>
+            <a:gsLst>
+              <a:gs pos="0">
+                <a:srgbClr val="000000">
+                  <a:alpha val="0"/>
+                </a:srgbClr>
+              </a:gs>
+              <a:gs pos="99000">
+                <a:schemeClr val="accent1">
+                  <a:lumMod val="60000"/>
+                  <a:lumOff val="40000"/>
+                  <a:alpha val="11000"/>
+                </a:schemeClr>
+              </a:gs>
+            </a:gsLst>
+            <a:lin ang="7200000" scaled="0"/>
+          </a:gradFill>
+          <a:ln>
+            <a:noFill/>
+          </a:ln>
+        </p:spPr>
+        <p:style>
+          <a:lnRef idx="2">
+            <a:schemeClr val="accent1">
+              <a:shade val="50000"/>
+            </a:schemeClr>
+          </a:lnRef>
+          <a:fillRef idx="1">
+            <a:schemeClr val="accent1"/>
+          </a:fillRef>
+          <a:effectRef idx="0">
+            <a:schemeClr val="accent1"/>
+          </a:effectRef>
+          <a:fontRef idx="minor">
+            <a:schemeClr val="lt1"/>
+          </a:fontRef>
+        </p:style>
+        <p:txBody>
+          <a:bodyPr rtlCol="0" anchor="ctr"/>
+          <a:lstStyle/>
+          <a:p>
+            <a:pPr algn="ctr"/>
+            <a:endParaRPr lang="en-US"/>
+          </a:p>
+        </p:txBody>
+      </p:sp>
+      <p:sp>
+        <p:nvSpPr>
+          <p:cNvPr id="2" name="Title 1">
+            <a:extLst>
+              <a:ext uri="{FF2B5EF4-FFF2-40B4-BE49-F238E27FC236}">
+                <a16:creationId xmlns:a16="http://schemas.microsoft.com/office/drawing/2014/main" id="{793E3554-1D0A-4FE7-968B-21CF8C909EBD}"/>
+              </a:ext>
+            </a:extLst>
+          </p:cNvPr>
+          <p:cNvSpPr>
+            <a:spLocks noGrp="1"/>
+          </p:cNvSpPr>
+          <p:nvPr>
+            <p:ph type="title"/>
+          </p:nvPr>
+        </p:nvSpPr>
+        <p:spPr>
+          <a:xfrm>
+            <a:off x="272955" y="586855"/>
+            <a:ext cx="3395133" cy="3387497"/>
+          </a:xfrm>
+        </p:spPr>
+        <p:txBody>
+          <a:bodyPr anchor="b">
+            <a:normAutofit/>
+          </a:bodyPr>
+          <a:lstStyle/>
+          <a:p>
+            <a:pPr algn="r"/>
+            <a:r>
+              <a:rPr lang="it-IT" sz="4000" dirty="0">
+                <a:solidFill>
+                  <a:srgbClr val="FFFFFF"/>
+                </a:solidFill>
+              </a:rPr>
+              <a:t>API 2:</a:t>
             </a:r>
             <a:br>
               <a:rPr lang="it-IT" sz="4000" dirty="0">
@@ -11792,17 +12748,17 @@
                   <a:srgbClr val="FFFFFF"/>
                 </a:solidFill>
               </a:rPr>
-              <a:t>(2/2)</a:t>
+              <a:t>richiesta token OAuth2.0</a:t>
             </a:r>
           </a:p>
         </p:txBody>
       </p:sp>
       <p:pic>
         <p:nvPicPr>
-          <p:cNvPr id="4" name="Immagine 3">
-            <a:extLst>
-              <a:ext uri="{FF2B5EF4-FFF2-40B4-BE49-F238E27FC236}">
-                <a16:creationId xmlns:a16="http://schemas.microsoft.com/office/drawing/2014/main" id="{B2C48479-A154-468C-A8ED-BADCDC694954}"/>
+          <p:cNvPr id="5" name="Immagine 4">
+            <a:extLst>
+              <a:ext uri="{FF2B5EF4-FFF2-40B4-BE49-F238E27FC236}">
+                <a16:creationId xmlns:a16="http://schemas.microsoft.com/office/drawing/2014/main" id="{4A7DC83A-511A-4F93-A6F2-ED07B24E1388}"/>
               </a:ext>
             </a:extLst>
           </p:cNvPr>
@@ -11819,8 +12775,8 @@
         </p:blipFill>
         <p:spPr>
           <a:xfrm>
-            <a:off x="5163059" y="589011"/>
-            <a:ext cx="5982218" cy="5700254"/>
+            <a:off x="4546946" y="1231967"/>
+            <a:ext cx="7132877" cy="4373786"/>
           </a:xfrm>
           <a:prstGeom prst="rect">
             <a:avLst/>
@@ -11830,7 +12786,752 @@
     </p:spTree>
     <p:extLst>
       <p:ext uri="{BB962C8B-B14F-4D97-AF65-F5344CB8AC3E}">
-        <p14:creationId xmlns:p14="http://schemas.microsoft.com/office/powerpoint/2010/main" val="2158174479"/>
+        <p14:creationId xmlns:p14="http://schemas.microsoft.com/office/powerpoint/2010/main" val="3930043897"/>
+      </p:ext>
+    </p:extLst>
+  </p:cSld>
+  <p:clrMapOvr>
+    <a:masterClrMapping/>
+  </p:clrMapOvr>
+</p:sld>
+</file>
+
+<file path=ppt/slides/slide9.xml><?xml version="1.0" encoding="utf-8"?>
+<p:sld xmlns:a="http://schemas.openxmlformats.org/drawingml/2006/main" xmlns:r="http://schemas.openxmlformats.org/officeDocument/2006/relationships" xmlns:p="http://schemas.openxmlformats.org/presentationml/2006/main">
+  <p:cSld>
+    <p:bg>
+      <p:bgPr>
+        <a:solidFill>
+          <a:schemeClr val="bg1"/>
+        </a:solidFill>
+        <a:effectLst/>
+      </p:bgPr>
+    </p:bg>
+    <p:spTree>
+      <p:nvGrpSpPr>
+        <p:cNvPr id="1" name=""/>
+        <p:cNvGrpSpPr/>
+        <p:nvPr/>
+      </p:nvGrpSpPr>
+      <p:grpSpPr>
+        <a:xfrm>
+          <a:off x="0" y="0"/>
+          <a:ext cx="0" cy="0"/>
+          <a:chOff x="0" y="0"/>
+          <a:chExt cx="0" cy="0"/>
+        </a:xfrm>
+      </p:grpSpPr>
+      <p:sp useBgFill="1">
+        <p:nvSpPr>
+          <p:cNvPr id="8" name="Rectangle 7">
+            <a:extLst>
+              <a:ext uri="{FF2B5EF4-FFF2-40B4-BE49-F238E27FC236}">
+                <a16:creationId xmlns:a16="http://schemas.microsoft.com/office/drawing/2014/main" id="{09588DA8-065E-4F6F-8EFD-43104AB2E0CF}"/>
+              </a:ext>
+              <a:ext uri="{C183D7F6-B498-43B3-948B-1728B52AA6E4}">
+                <adec:decorative xmlns:adec="http://schemas.microsoft.com/office/drawing/2017/decorative" val="1"/>
+              </a:ext>
+            </a:extLst>
+          </p:cNvPr>
+          <p:cNvSpPr>
+            <a:spLocks noGrp="1" noRot="1" noChangeAspect="1" noMove="1" noResize="1" noEditPoints="1" noAdjustHandles="1" noChangeArrowheads="1" noChangeShapeType="1" noTextEdit="1"/>
+          </p:cNvSpPr>
+          <p:nvPr>
+            <p:extLst>
+              <p:ext uri="{386F3935-93C4-4BCD-93E2-E3B085C9AB24}">
+                <p16:designElem xmlns:p16="http://schemas.microsoft.com/office/powerpoint/2015/main" val="1"/>
+              </p:ext>
+            </p:extLst>
+          </p:nvPr>
+        </p:nvSpPr>
+        <p:spPr>
+          <a:xfrm>
+            <a:off x="0" y="0"/>
+            <a:ext cx="12192000" cy="6858000"/>
+          </a:xfrm>
+          <a:prstGeom prst="rect">
+            <a:avLst/>
+          </a:prstGeom>
+          <a:ln w="12700" cap="flat" cmpd="sng" algn="ctr">
+            <a:noFill/>
+            <a:prstDash val="solid"/>
+            <a:miter lim="800000"/>
+          </a:ln>
+          <a:effectLst/>
+          <a:extLst>
+            <a:ext uri="{91240B29-F687-4F45-9708-019B960494DF}">
+              <a14:hiddenLine xmlns:a14="http://schemas.microsoft.com/office/drawing/2010/main" w="12700" cap="flat" cmpd="sng" algn="ctr">
+                <a:solidFill>
+                  <a:schemeClr val="accent1">
+                    <a:shade val="50000"/>
+                  </a:schemeClr>
+                </a:solidFill>
+                <a:prstDash val="solid"/>
+                <a:miter lim="800000"/>
+              </a14:hiddenLine>
+            </a:ext>
+          </a:extLst>
+        </p:spPr>
+        <p:style>
+          <a:lnRef idx="2">
+            <a:schemeClr val="accent1">
+              <a:shade val="50000"/>
+            </a:schemeClr>
+          </a:lnRef>
+          <a:fillRef idx="1">
+            <a:schemeClr val="accent1"/>
+          </a:fillRef>
+          <a:effectRef idx="0">
+            <a:schemeClr val="accent1"/>
+          </a:effectRef>
+          <a:fontRef idx="minor">
+            <a:schemeClr val="lt1"/>
+          </a:fontRef>
+        </p:style>
+        <p:txBody>
+          <a:bodyPr rtlCol="0" anchor="ctr"/>
+          <a:lstStyle/>
+          <a:p>
+            <a:pPr algn="ctr"/>
+            <a:endParaRPr lang="en-US"/>
+          </a:p>
+        </p:txBody>
+      </p:sp>
+      <p:sp useBgFill="1">
+        <p:nvSpPr>
+          <p:cNvPr id="10" name="Rectangle 9">
+            <a:extLst>
+              <a:ext uri="{FF2B5EF4-FFF2-40B4-BE49-F238E27FC236}">
+                <a16:creationId xmlns:a16="http://schemas.microsoft.com/office/drawing/2014/main" id="{C4285719-470E-454C-AF62-8323075F1F5B}"/>
+              </a:ext>
+              <a:ext uri="{C183D7F6-B498-43B3-948B-1728B52AA6E4}">
+                <adec:decorative xmlns:adec="http://schemas.microsoft.com/office/drawing/2017/decorative" val="1"/>
+              </a:ext>
+            </a:extLst>
+          </p:cNvPr>
+          <p:cNvSpPr>
+            <a:spLocks noGrp="1" noRot="1" noChangeAspect="1" noMove="1" noResize="1" noEditPoints="1" noAdjustHandles="1" noChangeArrowheads="1" noChangeShapeType="1" noTextEdit="1"/>
+          </p:cNvSpPr>
+          <p:nvPr>
+            <p:extLst>
+              <p:ext uri="{386F3935-93C4-4BCD-93E2-E3B085C9AB24}">
+                <p16:designElem xmlns:p16="http://schemas.microsoft.com/office/powerpoint/2015/main" val="1"/>
+              </p:ext>
+            </p:extLst>
+          </p:nvPr>
+        </p:nvSpPr>
+        <p:spPr>
+          <a:xfrm>
+            <a:off x="0" y="0"/>
+            <a:ext cx="12188952" cy="6858000"/>
+          </a:xfrm>
+          <a:prstGeom prst="rect">
+            <a:avLst/>
+          </a:prstGeom>
+          <a:ln w="12700" cap="flat" cmpd="sng" algn="ctr">
+            <a:noFill/>
+            <a:prstDash val="solid"/>
+            <a:miter lim="800000"/>
+          </a:ln>
+          <a:effectLst/>
+          <a:extLst>
+            <a:ext uri="{91240B29-F687-4F45-9708-019B960494DF}">
+              <a14:hiddenLine xmlns:a14="http://schemas.microsoft.com/office/drawing/2010/main" w="12700" cap="flat" cmpd="sng" algn="ctr">
+                <a:solidFill>
+                  <a:schemeClr val="accent1">
+                    <a:shade val="50000"/>
+                  </a:schemeClr>
+                </a:solidFill>
+                <a:prstDash val="solid"/>
+                <a:miter lim="800000"/>
+              </a14:hiddenLine>
+            </a:ext>
+          </a:extLst>
+        </p:spPr>
+        <p:style>
+          <a:lnRef idx="2">
+            <a:schemeClr val="accent1">
+              <a:shade val="50000"/>
+            </a:schemeClr>
+          </a:lnRef>
+          <a:fillRef idx="1">
+            <a:schemeClr val="accent1"/>
+          </a:fillRef>
+          <a:effectRef idx="0">
+            <a:schemeClr val="accent1"/>
+          </a:effectRef>
+          <a:fontRef idx="minor">
+            <a:schemeClr val="lt1"/>
+          </a:fontRef>
+        </p:style>
+        <p:txBody>
+          <a:bodyPr rtlCol="0" anchor="ctr"/>
+          <a:lstStyle/>
+          <a:p>
+            <a:pPr algn="ctr"/>
+            <a:endParaRPr lang="en-US"/>
+          </a:p>
+        </p:txBody>
+      </p:sp>
+      <p:sp>
+        <p:nvSpPr>
+          <p:cNvPr id="12" name="Rectangle 11">
+            <a:extLst>
+              <a:ext uri="{FF2B5EF4-FFF2-40B4-BE49-F238E27FC236}">
+                <a16:creationId xmlns:a16="http://schemas.microsoft.com/office/drawing/2014/main" id="{CD9FE4EF-C4D8-49A0-B2FF-81D8DB7D8A24}"/>
+              </a:ext>
+              <a:ext uri="{C183D7F6-B498-43B3-948B-1728B52AA6E4}">
+                <adec:decorative xmlns:adec="http://schemas.microsoft.com/office/drawing/2017/decorative" val="1"/>
+              </a:ext>
+            </a:extLst>
+          </p:cNvPr>
+          <p:cNvSpPr>
+            <a:spLocks noGrp="1" noRot="1" noChangeAspect="1" noMove="1" noResize="1" noEditPoints="1" noAdjustHandles="1" noChangeArrowheads="1" noChangeShapeType="1" noTextEdit="1"/>
+          </p:cNvSpPr>
+          <p:nvPr>
+            <p:extLst>
+              <p:ext uri="{386F3935-93C4-4BCD-93E2-E3B085C9AB24}">
+                <p16:designElem xmlns:p16="http://schemas.microsoft.com/office/powerpoint/2015/main" val="1"/>
+              </p:ext>
+            </p:extLst>
+          </p:nvPr>
+        </p:nvSpPr>
+        <p:spPr>
+          <a:xfrm rot="5400000" flipH="1">
+            <a:off x="-1410084" y="1410082"/>
+            <a:ext cx="6858000" cy="4037836"/>
+          </a:xfrm>
+          <a:prstGeom prst="rect">
+            <a:avLst/>
+          </a:prstGeom>
+          <a:gradFill>
+            <a:gsLst>
+              <a:gs pos="8000">
+                <a:srgbClr val="000000"/>
+              </a:gs>
+              <a:gs pos="100000">
+                <a:schemeClr val="accent1">
+                  <a:lumMod val="75000"/>
+                </a:schemeClr>
+              </a:gs>
+            </a:gsLst>
+            <a:lin ang="3000000" scaled="0"/>
+          </a:gradFill>
+          <a:ln>
+            <a:noFill/>
+          </a:ln>
+        </p:spPr>
+        <p:style>
+          <a:lnRef idx="2">
+            <a:schemeClr val="accent1">
+              <a:shade val="50000"/>
+            </a:schemeClr>
+          </a:lnRef>
+          <a:fillRef idx="1">
+            <a:schemeClr val="accent1"/>
+          </a:fillRef>
+          <a:effectRef idx="0">
+            <a:schemeClr val="accent1"/>
+          </a:effectRef>
+          <a:fontRef idx="minor">
+            <a:schemeClr val="lt1"/>
+          </a:fontRef>
+        </p:style>
+        <p:txBody>
+          <a:bodyPr rtlCol="0" anchor="ctr"/>
+          <a:lstStyle/>
+          <a:p>
+            <a:pPr algn="ctr"/>
+            <a:endParaRPr lang="en-US"/>
+          </a:p>
+        </p:txBody>
+      </p:sp>
+      <p:sp>
+        <p:nvSpPr>
+          <p:cNvPr id="14" name="Rectangle 13">
+            <a:extLst>
+              <a:ext uri="{FF2B5EF4-FFF2-40B4-BE49-F238E27FC236}">
+                <a16:creationId xmlns:a16="http://schemas.microsoft.com/office/drawing/2014/main" id="{4300840D-0A0B-4512-BACA-B439D5B9C57C}"/>
+              </a:ext>
+              <a:ext uri="{C183D7F6-B498-43B3-948B-1728B52AA6E4}">
+                <adec:decorative xmlns:adec="http://schemas.microsoft.com/office/drawing/2017/decorative" val="1"/>
+              </a:ext>
+            </a:extLst>
+          </p:cNvPr>
+          <p:cNvSpPr>
+            <a:spLocks noGrp="1" noRot="1" noChangeAspect="1" noMove="1" noResize="1" noEditPoints="1" noAdjustHandles="1" noChangeArrowheads="1" noChangeShapeType="1" noTextEdit="1"/>
+          </p:cNvSpPr>
+          <p:nvPr>
+            <p:extLst>
+              <p:ext uri="{386F3935-93C4-4BCD-93E2-E3B085C9AB24}">
+                <p16:designElem xmlns:p16="http://schemas.microsoft.com/office/powerpoint/2015/main" val="1"/>
+              </p:ext>
+            </p:extLst>
+          </p:nvPr>
+        </p:nvSpPr>
+        <p:spPr>
+          <a:xfrm rot="5400000" flipH="1">
+            <a:off x="-1410085" y="1420219"/>
+            <a:ext cx="6857999" cy="4037839"/>
+          </a:xfrm>
+          <a:prstGeom prst="rect">
+            <a:avLst/>
+          </a:prstGeom>
+          <a:gradFill>
+            <a:gsLst>
+              <a:gs pos="0">
+                <a:srgbClr val="000000">
+                  <a:alpha val="0"/>
+                </a:srgbClr>
+              </a:gs>
+              <a:gs pos="99000">
+                <a:schemeClr val="accent1">
+                  <a:alpha val="46000"/>
+                </a:schemeClr>
+              </a:gs>
+            </a:gsLst>
+            <a:lin ang="1800000" scaled="0"/>
+          </a:gradFill>
+          <a:ln>
+            <a:noFill/>
+          </a:ln>
+        </p:spPr>
+        <p:style>
+          <a:lnRef idx="2">
+            <a:schemeClr val="accent1">
+              <a:shade val="50000"/>
+            </a:schemeClr>
+          </a:lnRef>
+          <a:fillRef idx="1">
+            <a:schemeClr val="accent1"/>
+          </a:fillRef>
+          <a:effectRef idx="0">
+            <a:schemeClr val="accent1"/>
+          </a:effectRef>
+          <a:fontRef idx="minor">
+            <a:schemeClr val="lt1"/>
+          </a:fontRef>
+        </p:style>
+        <p:txBody>
+          <a:bodyPr rtlCol="0" anchor="ctr"/>
+          <a:lstStyle/>
+          <a:p>
+            <a:pPr algn="ctr"/>
+            <a:endParaRPr lang="en-US"/>
+          </a:p>
+        </p:txBody>
+      </p:sp>
+      <p:sp>
+        <p:nvSpPr>
+          <p:cNvPr id="16" name="Rectangle 15">
+            <a:extLst>
+              <a:ext uri="{FF2B5EF4-FFF2-40B4-BE49-F238E27FC236}">
+                <a16:creationId xmlns:a16="http://schemas.microsoft.com/office/drawing/2014/main" id="{D2B78728-A580-49A7-84F9-6EF6F583ADE0}"/>
+              </a:ext>
+              <a:ext uri="{C183D7F6-B498-43B3-948B-1728B52AA6E4}">
+                <adec:decorative xmlns:adec="http://schemas.microsoft.com/office/drawing/2017/decorative" val="1"/>
+              </a:ext>
+            </a:extLst>
+          </p:cNvPr>
+          <p:cNvSpPr>
+            <a:spLocks noGrp="1" noRot="1" noChangeAspect="1" noMove="1" noResize="1" noEditPoints="1" noAdjustHandles="1" noChangeArrowheads="1" noChangeShapeType="1" noTextEdit="1"/>
+          </p:cNvSpPr>
+          <p:nvPr>
+            <p:extLst>
+              <p:ext uri="{386F3935-93C4-4BCD-93E2-E3B085C9AB24}">
+                <p16:designElem xmlns:p16="http://schemas.microsoft.com/office/powerpoint/2015/main" val="1"/>
+              </p:ext>
+            </p:extLst>
+          </p:nvPr>
+        </p:nvSpPr>
+        <p:spPr>
+          <a:xfrm rot="5400000" flipH="1">
+            <a:off x="767923" y="3588085"/>
+            <a:ext cx="2501979" cy="4037841"/>
+          </a:xfrm>
+          <a:prstGeom prst="rect">
+            <a:avLst/>
+          </a:prstGeom>
+          <a:gradFill>
+            <a:gsLst>
+              <a:gs pos="2000">
+                <a:schemeClr val="accent1">
+                  <a:alpha val="29000"/>
+                </a:schemeClr>
+              </a:gs>
+              <a:gs pos="100000">
+                <a:srgbClr val="000000">
+                  <a:alpha val="30000"/>
+                </a:srgbClr>
+              </a:gs>
+            </a:gsLst>
+            <a:lin ang="7800000" scaled="0"/>
+          </a:gradFill>
+          <a:ln>
+            <a:noFill/>
+          </a:ln>
+        </p:spPr>
+        <p:style>
+          <a:lnRef idx="2">
+            <a:schemeClr val="accent1">
+              <a:shade val="50000"/>
+            </a:schemeClr>
+          </a:lnRef>
+          <a:fillRef idx="1">
+            <a:schemeClr val="accent1"/>
+          </a:fillRef>
+          <a:effectRef idx="0">
+            <a:schemeClr val="accent1"/>
+          </a:effectRef>
+          <a:fontRef idx="minor">
+            <a:schemeClr val="lt1"/>
+          </a:fontRef>
+        </p:style>
+        <p:txBody>
+          <a:bodyPr rtlCol="0" anchor="ctr"/>
+          <a:lstStyle/>
+          <a:p>
+            <a:pPr algn="ctr"/>
+            <a:endParaRPr lang="en-US" dirty="0"/>
+          </a:p>
+        </p:txBody>
+      </p:sp>
+      <p:sp>
+        <p:nvSpPr>
+          <p:cNvPr id="18" name="Freeform: Shape 17">
+            <a:extLst>
+              <a:ext uri="{FF2B5EF4-FFF2-40B4-BE49-F238E27FC236}">
+                <a16:creationId xmlns:a16="http://schemas.microsoft.com/office/drawing/2014/main" id="{38FAA1A1-D861-433F-88FA-1E9D6FD31D11}"/>
+              </a:ext>
+              <a:ext uri="{C183D7F6-B498-43B3-948B-1728B52AA6E4}">
+                <adec:decorative xmlns:adec="http://schemas.microsoft.com/office/drawing/2017/decorative" val="1"/>
+              </a:ext>
+            </a:extLst>
+          </p:cNvPr>
+          <p:cNvSpPr>
+            <a:spLocks noGrp="1" noRot="1" noChangeAspect="1" noMove="1" noResize="1" noEditPoints="1" noAdjustHandles="1" noChangeArrowheads="1" noChangeShapeType="1" noTextEdit="1"/>
+          </p:cNvSpPr>
+          <p:nvPr>
+            <p:extLst>
+              <p:ext uri="{386F3935-93C4-4BCD-93E2-E3B085C9AB24}">
+                <p16:designElem xmlns:p16="http://schemas.microsoft.com/office/powerpoint/2015/main" val="1"/>
+              </p:ext>
+            </p:extLst>
+          </p:nvPr>
+        </p:nvSpPr>
+        <p:spPr>
+          <a:xfrm rot="20635413">
+            <a:off x="-501737" y="969718"/>
+            <a:ext cx="3900357" cy="4178958"/>
+          </a:xfrm>
+          <a:custGeom>
+            <a:avLst/>
+            <a:gdLst>
+              <a:gd name="connsiteX0" fmla="*/ 2432225 w 3900357"/>
+              <a:gd name="connsiteY0" fmla="*/ 93939 h 4178958"/>
+              <a:gd name="connsiteX1" fmla="*/ 3900357 w 3900357"/>
+              <a:gd name="connsiteY1" fmla="*/ 2089479 h 4178958"/>
+              <a:gd name="connsiteX2" fmla="*/ 1810878 w 3900357"/>
+              <a:gd name="connsiteY2" fmla="*/ 4178958 h 4178958"/>
+              <a:gd name="connsiteX3" fmla="*/ 78249 w 3900357"/>
+              <a:gd name="connsiteY3" fmla="*/ 3257727 h 4178958"/>
+              <a:gd name="connsiteX4" fmla="*/ 0 w 3900357"/>
+              <a:gd name="connsiteY4" fmla="*/ 3128923 h 4178958"/>
+              <a:gd name="connsiteX5" fmla="*/ 831324 w 3900357"/>
+              <a:gd name="connsiteY5" fmla="*/ 244281 h 4178958"/>
+              <a:gd name="connsiteX6" fmla="*/ 997559 w 3900357"/>
+              <a:gd name="connsiteY6" fmla="*/ 164202 h 4178958"/>
+              <a:gd name="connsiteX7" fmla="*/ 1810878 w 3900357"/>
+              <a:gd name="connsiteY7" fmla="*/ 0 h 4178958"/>
+              <a:gd name="connsiteX8" fmla="*/ 2432225 w 3900357"/>
+              <a:gd name="connsiteY8" fmla="*/ 93939 h 4178958"/>
+            </a:gdLst>
+            <a:ahLst/>
+            <a:cxnLst>
+              <a:cxn ang="0">
+                <a:pos x="connsiteX0" y="connsiteY0"/>
+              </a:cxn>
+              <a:cxn ang="0">
+                <a:pos x="connsiteX1" y="connsiteY1"/>
+              </a:cxn>
+              <a:cxn ang="0">
+                <a:pos x="connsiteX2" y="connsiteY2"/>
+              </a:cxn>
+              <a:cxn ang="0">
+                <a:pos x="connsiteX3" y="connsiteY3"/>
+              </a:cxn>
+              <a:cxn ang="0">
+                <a:pos x="connsiteX4" y="connsiteY4"/>
+              </a:cxn>
+              <a:cxn ang="0">
+                <a:pos x="connsiteX5" y="connsiteY5"/>
+              </a:cxn>
+              <a:cxn ang="0">
+                <a:pos x="connsiteX6" y="connsiteY6"/>
+              </a:cxn>
+              <a:cxn ang="0">
+                <a:pos x="connsiteX7" y="connsiteY7"/>
+              </a:cxn>
+              <a:cxn ang="0">
+                <a:pos x="connsiteX8" y="connsiteY8"/>
+              </a:cxn>
+            </a:cxnLst>
+            <a:rect l="l" t="t" r="r" b="b"/>
+            <a:pathLst>
+              <a:path w="3900357" h="4178958">
+                <a:moveTo>
+                  <a:pt x="2432225" y="93939"/>
+                </a:moveTo>
+                <a:cubicBezTo>
+                  <a:pt x="3282786" y="358491"/>
+                  <a:pt x="3900357" y="1151865"/>
+                  <a:pt x="3900357" y="2089479"/>
+                </a:cubicBezTo>
+                <a:cubicBezTo>
+                  <a:pt x="3900357" y="3243466"/>
+                  <a:pt x="2964865" y="4178958"/>
+                  <a:pt x="1810878" y="4178958"/>
+                </a:cubicBezTo>
+                <a:cubicBezTo>
+                  <a:pt x="1089636" y="4178958"/>
+                  <a:pt x="453744" y="3813531"/>
+                  <a:pt x="78249" y="3257727"/>
+                </a:cubicBezTo>
+                <a:lnTo>
+                  <a:pt x="0" y="3128923"/>
+                </a:lnTo>
+                <a:lnTo>
+                  <a:pt x="831324" y="244281"/>
+                </a:lnTo>
+                <a:lnTo>
+                  <a:pt x="997559" y="164202"/>
+                </a:lnTo>
+                <a:cubicBezTo>
+                  <a:pt x="1247540" y="58468"/>
+                  <a:pt x="1522381" y="0"/>
+                  <a:pt x="1810878" y="0"/>
+                </a:cubicBezTo>
+                <a:cubicBezTo>
+                  <a:pt x="2027251" y="0"/>
+                  <a:pt x="2235942" y="32888"/>
+                  <a:pt x="2432225" y="93939"/>
+                </a:cubicBezTo>
+                <a:close/>
+              </a:path>
+            </a:pathLst>
+          </a:custGeom>
+          <a:gradFill>
+            <a:gsLst>
+              <a:gs pos="29000">
+                <a:srgbClr val="000000">
+                  <a:alpha val="0"/>
+                </a:srgbClr>
+              </a:gs>
+              <a:gs pos="100000">
+                <a:schemeClr val="accent1">
+                  <a:alpha val="43000"/>
+                </a:schemeClr>
+              </a:gs>
+            </a:gsLst>
+            <a:lin ang="1800000" scaled="0"/>
+          </a:gradFill>
+          <a:ln>
+            <a:noFill/>
+          </a:ln>
+        </p:spPr>
+        <p:style>
+          <a:lnRef idx="2">
+            <a:schemeClr val="accent1">
+              <a:shade val="50000"/>
+            </a:schemeClr>
+          </a:lnRef>
+          <a:fillRef idx="1">
+            <a:schemeClr val="accent1"/>
+          </a:fillRef>
+          <a:effectRef idx="0">
+            <a:schemeClr val="accent1"/>
+          </a:effectRef>
+          <a:fontRef idx="minor">
+            <a:schemeClr val="lt1"/>
+          </a:fontRef>
+        </p:style>
+        <p:txBody>
+          <a:bodyPr wrap="square" rtlCol="0" anchor="ctr">
+            <a:noAutofit/>
+          </a:bodyPr>
+          <a:lstStyle/>
+          <a:p>
+            <a:pPr algn="ctr"/>
+            <a:endParaRPr lang="en-US" dirty="0"/>
+          </a:p>
+        </p:txBody>
+      </p:sp>
+      <p:sp>
+        <p:nvSpPr>
+          <p:cNvPr id="20" name="Rectangle 19">
+            <a:extLst>
+              <a:ext uri="{FF2B5EF4-FFF2-40B4-BE49-F238E27FC236}">
+                <a16:creationId xmlns:a16="http://schemas.microsoft.com/office/drawing/2014/main" id="{8D71EDA1-87BF-4D5D-AB79-F346FD19278A}"/>
+              </a:ext>
+              <a:ext uri="{C183D7F6-B498-43B3-948B-1728B52AA6E4}">
+                <adec:decorative xmlns:adec="http://schemas.microsoft.com/office/drawing/2017/decorative" val="1"/>
+              </a:ext>
+            </a:extLst>
+          </p:cNvPr>
+          <p:cNvSpPr>
+            <a:spLocks noGrp="1" noRot="1" noChangeAspect="1" noMove="1" noResize="1" noEditPoints="1" noAdjustHandles="1" noChangeArrowheads="1" noChangeShapeType="1" noTextEdit="1"/>
+          </p:cNvSpPr>
+          <p:nvPr>
+            <p:extLst>
+              <p:ext uri="{386F3935-93C4-4BCD-93E2-E3B085C9AB24}">
+                <p16:designElem xmlns:p16="http://schemas.microsoft.com/office/powerpoint/2015/main" val="1"/>
+              </p:ext>
+            </p:extLst>
+          </p:nvPr>
+        </p:nvSpPr>
+        <p:spPr>
+          <a:xfrm rot="5400000" flipH="1">
+            <a:off x="-1410093" y="1399943"/>
+            <a:ext cx="6858003" cy="4037835"/>
+          </a:xfrm>
+          <a:prstGeom prst="rect">
+            <a:avLst/>
+          </a:prstGeom>
+          <a:gradFill>
+            <a:gsLst>
+              <a:gs pos="0">
+                <a:srgbClr val="000000">
+                  <a:alpha val="0"/>
+                </a:srgbClr>
+              </a:gs>
+              <a:gs pos="99000">
+                <a:schemeClr val="accent1">
+                  <a:lumMod val="60000"/>
+                  <a:lumOff val="40000"/>
+                  <a:alpha val="11000"/>
+                </a:schemeClr>
+              </a:gs>
+            </a:gsLst>
+            <a:lin ang="7200000" scaled="0"/>
+          </a:gradFill>
+          <a:ln>
+            <a:noFill/>
+          </a:ln>
+        </p:spPr>
+        <p:style>
+          <a:lnRef idx="2">
+            <a:schemeClr val="accent1">
+              <a:shade val="50000"/>
+            </a:schemeClr>
+          </a:lnRef>
+          <a:fillRef idx="1">
+            <a:schemeClr val="accent1"/>
+          </a:fillRef>
+          <a:effectRef idx="0">
+            <a:schemeClr val="accent1"/>
+          </a:effectRef>
+          <a:fontRef idx="minor">
+            <a:schemeClr val="lt1"/>
+          </a:fontRef>
+        </p:style>
+        <p:txBody>
+          <a:bodyPr rtlCol="0" anchor="ctr"/>
+          <a:lstStyle/>
+          <a:p>
+            <a:pPr algn="ctr"/>
+            <a:endParaRPr lang="en-US"/>
+          </a:p>
+        </p:txBody>
+      </p:sp>
+      <p:sp>
+        <p:nvSpPr>
+          <p:cNvPr id="2" name="Title 1">
+            <a:extLst>
+              <a:ext uri="{FF2B5EF4-FFF2-40B4-BE49-F238E27FC236}">
+                <a16:creationId xmlns:a16="http://schemas.microsoft.com/office/drawing/2014/main" id="{6C0937FD-3195-4E6E-AA7F-8D790A0A8ABA}"/>
+              </a:ext>
+            </a:extLst>
+          </p:cNvPr>
+          <p:cNvSpPr>
+            <a:spLocks noGrp="1"/>
+          </p:cNvSpPr>
+          <p:nvPr>
+            <p:ph type="title"/>
+          </p:nvPr>
+        </p:nvSpPr>
+        <p:spPr>
+          <a:xfrm>
+            <a:off x="466722" y="586855"/>
+            <a:ext cx="3201366" cy="3387497"/>
+          </a:xfrm>
+        </p:spPr>
+        <p:txBody>
+          <a:bodyPr anchor="b">
+            <a:normAutofit/>
+          </a:bodyPr>
+          <a:lstStyle/>
+          <a:p>
+            <a:pPr algn="r"/>
+            <a:r>
+              <a:rPr lang="it-IT" sz="3200" dirty="0">
+                <a:solidFill>
+                  <a:srgbClr val="FFFFFF"/>
+                </a:solidFill>
+              </a:rPr>
+              <a:t>API 2:</a:t>
+            </a:r>
+            <a:br>
+              <a:rPr lang="it-IT" sz="3200" dirty="0">
+                <a:solidFill>
+                  <a:srgbClr val="FFFFFF"/>
+                </a:solidFill>
+              </a:rPr>
+            </a:br>
+            <a:r>
+              <a:rPr lang="it-IT" sz="3200" dirty="0">
+                <a:solidFill>
+                  <a:srgbClr val="FFFFFF"/>
+                </a:solidFill>
+              </a:rPr>
+              <a:t>formato di richiesta</a:t>
+            </a:r>
+          </a:p>
+        </p:txBody>
+      </p:sp>
+      <p:pic>
+        <p:nvPicPr>
+          <p:cNvPr id="4" name="Immagine 3">
+            <a:extLst>
+              <a:ext uri="{FF2B5EF4-FFF2-40B4-BE49-F238E27FC236}">
+                <a16:creationId xmlns:a16="http://schemas.microsoft.com/office/drawing/2014/main" id="{0DA68EEA-0EE3-407E-92B1-2336E59EC55F}"/>
+              </a:ext>
+            </a:extLst>
+          </p:cNvPr>
+          <p:cNvPicPr>
+            <a:picLocks noChangeAspect="1"/>
+          </p:cNvPicPr>
+          <p:nvPr/>
+        </p:nvPicPr>
+        <p:blipFill>
+          <a:blip r:embed="rId2"/>
+          <a:stretch>
+            <a:fillRect/>
+          </a:stretch>
+        </p:blipFill>
+        <p:spPr>
+          <a:xfrm>
+            <a:off x="5032681" y="260763"/>
+            <a:ext cx="6242973" cy="6336474"/>
+          </a:xfrm>
+          <a:prstGeom prst="rect">
+            <a:avLst/>
+          </a:prstGeom>
+        </p:spPr>
+      </p:pic>
+    </p:spTree>
+    <p:extLst>
+      <p:ext uri="{BB962C8B-B14F-4D97-AF65-F5344CB8AC3E}">
+        <p14:creationId xmlns:p14="http://schemas.microsoft.com/office/powerpoint/2010/main" val="2298361762"/>
       </p:ext>
     </p:extLst>
   </p:cSld>
